--- a/Presentatie/DevPhase1.pptx
+++ b/Presentatie/DevPhase1.pptx
@@ -2,13 +2,18 @@
 <file path=ppt/presentation.xml><?xml version="1.0" encoding="utf-8"?>
 <p:presentation xmlns:a="http://schemas.openxmlformats.org/drawingml/2006/main" xmlns:r="http://schemas.openxmlformats.org/officeDocument/2006/relationships" xmlns:p="http://schemas.openxmlformats.org/presentationml/2006/main" saveSubsetFonts="1">
   <p:sldMasterIdLst>
-    <p:sldMasterId id="2147483660" r:id="rId1"/>
+    <p:sldMasterId id="2147483660" r:id="rId2"/>
   </p:sldMasterIdLst>
   <p:sldIdLst>
-    <p:sldId id="256" r:id="rId2"/>
-    <p:sldId id="257" r:id="rId3"/>
-    <p:sldId id="258" r:id="rId4"/>
-    <p:sldId id="259" r:id="rId5"/>
+    <p:sldId id="256" r:id="rId3"/>
+    <p:sldId id="257" r:id="rId4"/>
+    <p:sldId id="258" r:id="rId5"/>
+    <p:sldId id="259" r:id="rId6"/>
+    <p:sldId id="260" r:id="rId7"/>
+    <p:sldId id="261" r:id="rId8"/>
+    <p:sldId id="262" r:id="rId9"/>
+    <p:sldId id="263" r:id="rId10"/>
+    <p:sldId id="264" r:id="rId11"/>
   </p:sldIdLst>
   <p:sldSz cx="9144000" cy="6858000" type="screen4x3"/>
   <p:notesSz cx="6858000" cy="9144000"/>
@@ -221,7 +226,7 @@
           <a:p>
             <a:fld id="{E7A54F7E-4BB5-4DA8-8E69-ED51C7184A1B}" type="datetimeFigureOut">
               <a:rPr lang="en-GB" smtClean="0"/>
-              <a:t>13/04/2016</a:t>
+              <a:t>21/04/2016</a:t>
             </a:fld>
             <a:endParaRPr lang="en-GB"/>
           </a:p>
@@ -447,7 +452,7 @@
           <a:p>
             <a:fld id="{E7A54F7E-4BB5-4DA8-8E69-ED51C7184A1B}" type="datetimeFigureOut">
               <a:rPr lang="en-GB" smtClean="0"/>
-              <a:t>13/04/2016</a:t>
+              <a:t>21/04/2016</a:t>
             </a:fld>
             <a:endParaRPr lang="en-GB"/>
           </a:p>
@@ -622,7 +627,7 @@
           <a:p>
             <a:fld id="{E7A54F7E-4BB5-4DA8-8E69-ED51C7184A1B}" type="datetimeFigureOut">
               <a:rPr lang="en-GB" smtClean="0"/>
-              <a:t>13/04/2016</a:t>
+              <a:t>21/04/2016</a:t>
             </a:fld>
             <a:endParaRPr lang="en-GB"/>
           </a:p>
@@ -787,7 +792,7 @@
           <a:p>
             <a:fld id="{E7A54F7E-4BB5-4DA8-8E69-ED51C7184A1B}" type="datetimeFigureOut">
               <a:rPr lang="en-GB" smtClean="0"/>
-              <a:t>13/04/2016</a:t>
+              <a:t>21/04/2016</a:t>
             </a:fld>
             <a:endParaRPr lang="en-GB"/>
           </a:p>
@@ -1031,7 +1036,7 @@
           <a:p>
             <a:fld id="{E7A54F7E-4BB5-4DA8-8E69-ED51C7184A1B}" type="datetimeFigureOut">
               <a:rPr lang="en-GB" smtClean="0"/>
-              <a:t>13/04/2016</a:t>
+              <a:t>21/04/2016</a:t>
             </a:fld>
             <a:endParaRPr lang="en-GB"/>
           </a:p>
@@ -1295,7 +1300,7 @@
           <a:p>
             <a:fld id="{E7A54F7E-4BB5-4DA8-8E69-ED51C7184A1B}" type="datetimeFigureOut">
               <a:rPr lang="en-GB" smtClean="0"/>
-              <a:t>13/04/2016</a:t>
+              <a:t>21/04/2016</a:t>
             </a:fld>
             <a:endParaRPr lang="en-GB"/>
           </a:p>
@@ -1669,7 +1674,7 @@
           <a:p>
             <a:fld id="{E7A54F7E-4BB5-4DA8-8E69-ED51C7184A1B}" type="datetimeFigureOut">
               <a:rPr lang="en-GB" smtClean="0"/>
-              <a:t>13/04/2016</a:t>
+              <a:t>21/04/2016</a:t>
             </a:fld>
             <a:endParaRPr lang="en-GB"/>
           </a:p>
@@ -1782,7 +1787,7 @@
           <a:p>
             <a:fld id="{E7A54F7E-4BB5-4DA8-8E69-ED51C7184A1B}" type="datetimeFigureOut">
               <a:rPr lang="en-GB" smtClean="0"/>
-              <a:t>13/04/2016</a:t>
+              <a:t>21/04/2016</a:t>
             </a:fld>
             <a:endParaRPr lang="en-GB"/>
           </a:p>
@@ -1872,7 +1877,7 @@
           <a:p>
             <a:fld id="{E7A54F7E-4BB5-4DA8-8E69-ED51C7184A1B}" type="datetimeFigureOut">
               <a:rPr lang="en-GB" smtClean="0"/>
-              <a:t>13/04/2016</a:t>
+              <a:t>21/04/2016</a:t>
             </a:fld>
             <a:endParaRPr lang="en-GB"/>
           </a:p>
@@ -2130,7 +2135,7 @@
           <a:p>
             <a:fld id="{E7A54F7E-4BB5-4DA8-8E69-ED51C7184A1B}" type="datetimeFigureOut">
               <a:rPr lang="en-GB" smtClean="0"/>
-              <a:t>13/04/2016</a:t>
+              <a:t>21/04/2016</a:t>
             </a:fld>
             <a:endParaRPr lang="en-GB"/>
           </a:p>
@@ -2394,7 +2399,7 @@
           <a:p>
             <a:fld id="{E7A54F7E-4BB5-4DA8-8E69-ED51C7184A1B}" type="datetimeFigureOut">
               <a:rPr lang="en-GB" smtClean="0"/>
-              <a:t>13/04/2016</a:t>
+              <a:t>21/04/2016</a:t>
             </a:fld>
             <a:endParaRPr lang="en-GB"/>
           </a:p>
@@ -2611,7 +2616,7 @@
           <a:p>
             <a:fld id="{E7A54F7E-4BB5-4DA8-8E69-ED51C7184A1B}" type="datetimeFigureOut">
               <a:rPr lang="en-GB" smtClean="0"/>
-              <a:t>13/04/2016</a:t>
+              <a:t>21/04/2016</a:t>
             </a:fld>
             <a:endParaRPr lang="en-GB"/>
           </a:p>
@@ -3049,11 +3054,24 @@
           </p:cNvSpPr>
           <p:nvPr>
             <p:ph type="ctrTitle"/>
-          </p:nvPr>
-        </p:nvSpPr>
-        <p:spPr/>
-        <p:txBody>
-          <a:bodyPr/>
+            <p:custDataLst>
+              <p:custData r:id="rId1"/>
+            </p:custDataLst>
+          </p:nvPr>
+        </p:nvSpPr>
+        <p:spPr/>
+        <p:txBody>
+          <a:bodyPr>
+            <a:scene3d>
+              <a:camera prst="orthographicFront"/>
+              <a:lightRig rig="soft" dir="t">
+                <a:rot lat="0" lon="0" rev="17220000"/>
+              </a:lightRig>
+            </a:scene3d>
+            <a:sp3d prstMaterial="softEdge">
+              <a:bevelT w="0" h="0"/>
+            </a:sp3d>
+          </a:bodyPr>
           <a:lstStyle/>
           <a:p>
             <a:r>
@@ -3287,7 +3305,48 @@
           <a:bodyPr/>
           <a:lstStyle/>
           <a:p>
-            <a:endParaRPr lang="en-GB"/>
+            <a:r>
+              <a:rPr lang="en-US" dirty="0" err="1" smtClean="0"/>
+              <a:t>Duidelijkheidheid</a:t>
+            </a:r>
+            <a:r>
+              <a:rPr lang="en-GB" dirty="0" smtClean="0"/>
+              <a:t> </a:t>
+            </a:r>
+            <a:r>
+              <a:rPr lang="en-GB" dirty="0" err="1" smtClean="0"/>
+              <a:t>en</a:t>
+            </a:r>
+            <a:r>
+              <a:rPr lang="en-GB" dirty="0" smtClean="0"/>
+              <a:t> </a:t>
+            </a:r>
+            <a:r>
+              <a:rPr lang="en-GB" dirty="0" err="1" smtClean="0"/>
+              <a:t>transparantie</a:t>
+            </a:r>
+            <a:endParaRPr lang="en-GB" dirty="0" smtClean="0"/>
+          </a:p>
+          <a:p>
+            <a:endParaRPr lang="en-GB" dirty="0" smtClean="0"/>
+          </a:p>
+          <a:p>
+            <a:r>
+              <a:rPr lang="en-US" dirty="0" err="1" smtClean="0"/>
+              <a:t>Problemen</a:t>
+            </a:r>
+            <a:r>
+              <a:rPr lang="en-US" dirty="0" smtClean="0"/>
+              <a:t> </a:t>
+            </a:r>
+            <a:r>
+              <a:rPr lang="en-US" dirty="0" err="1" smtClean="0"/>
+              <a:t>bespreken</a:t>
+            </a:r>
+            <a:endParaRPr lang="en-US" dirty="0" smtClean="0"/>
+          </a:p>
+          <a:p>
+            <a:endParaRPr lang="en-US" dirty="0" smtClean="0"/>
           </a:p>
         </p:txBody>
       </p:sp>
@@ -3343,7 +3402,11 @@
           <a:bodyPr/>
           <a:lstStyle/>
           <a:p>
-            <a:endParaRPr lang="en-GB"/>
+            <a:r>
+              <a:rPr lang="en-US" dirty="0" smtClean="0"/>
+              <a:t>Planning</a:t>
+            </a:r>
+            <a:endParaRPr lang="en-GB" dirty="0"/>
           </a:p>
         </p:txBody>
       </p:sp>
@@ -3370,6 +3433,389 @@
     <p:extLst>
       <p:ext uri="{BB962C8B-B14F-4D97-AF65-F5344CB8AC3E}">
         <p14:creationId xmlns:p14="http://schemas.microsoft.com/office/powerpoint/2010/main" val="3866340995"/>
+      </p:ext>
+    </p:extLst>
+  </p:cSld>
+  <p:clrMapOvr>
+    <a:masterClrMapping/>
+  </p:clrMapOvr>
+  <p:timing>
+    <p:tnLst>
+      <p:par>
+        <p:cTn id="1" dur="indefinite" restart="never" nodeType="tmRoot"/>
+      </p:par>
+    </p:tnLst>
+  </p:timing>
+</p:sld>
+</file>
+
+<file path=ppt/slides/slide5.xml><?xml version="1.0" encoding="utf-8"?>
+<p:sld xmlns:a="http://schemas.openxmlformats.org/drawingml/2006/main" xmlns:r="http://schemas.openxmlformats.org/officeDocument/2006/relationships" xmlns:p="http://schemas.openxmlformats.org/presentationml/2006/main">
+  <p:cSld>
+    <p:spTree>
+      <p:nvGrpSpPr>
+        <p:cNvPr id="1" name=""/>
+        <p:cNvGrpSpPr/>
+        <p:nvPr/>
+      </p:nvGrpSpPr>
+      <p:grpSpPr>
+        <a:xfrm>
+          <a:off x="0" y="0"/>
+          <a:ext cx="0" cy="0"/>
+          <a:chOff x="0" y="0"/>
+          <a:chExt cx="0" cy="0"/>
+        </a:xfrm>
+      </p:grpSpPr>
+      <p:sp>
+        <p:nvSpPr>
+          <p:cNvPr id="2" name="Title 1"/>
+          <p:cNvSpPr>
+            <a:spLocks noGrp="1"/>
+          </p:cNvSpPr>
+          <p:nvPr>
+            <p:ph type="title"/>
+          </p:nvPr>
+        </p:nvSpPr>
+        <p:spPr/>
+        <p:txBody>
+          <a:bodyPr>
+            <a:normAutofit/>
+          </a:bodyPr>
+          <a:lstStyle/>
+          <a:p>
+            <a:r>
+              <a:rPr lang="en-US" dirty="0" smtClean="0"/>
+              <a:t>Art</a:t>
+            </a:r>
+            <a:endParaRPr lang="en-GB" dirty="0"/>
+          </a:p>
+        </p:txBody>
+      </p:sp>
+      <p:sp>
+        <p:nvSpPr>
+          <p:cNvPr id="3" name="Content Placeholder 2"/>
+          <p:cNvSpPr>
+            <a:spLocks noGrp="1"/>
+          </p:cNvSpPr>
+          <p:nvPr>
+            <p:ph idx="1"/>
+          </p:nvPr>
+        </p:nvSpPr>
+        <p:spPr/>
+        <p:txBody>
+          <a:bodyPr/>
+          <a:lstStyle/>
+          <a:p>
+            <a:endParaRPr lang="en-GB"/>
+          </a:p>
+        </p:txBody>
+      </p:sp>
+    </p:spTree>
+    <p:extLst>
+      <p:ext uri="{BB962C8B-B14F-4D97-AF65-F5344CB8AC3E}">
+        <p14:creationId xmlns:p14="http://schemas.microsoft.com/office/powerpoint/2010/main" val="848772118"/>
+      </p:ext>
+    </p:extLst>
+  </p:cSld>
+  <p:clrMapOvr>
+    <a:masterClrMapping/>
+  </p:clrMapOvr>
+  <p:timing>
+    <p:tnLst>
+      <p:par>
+        <p:cTn id="1" dur="indefinite" restart="never" nodeType="tmRoot"/>
+      </p:par>
+    </p:tnLst>
+  </p:timing>
+</p:sld>
+</file>
+
+<file path=ppt/slides/slide6.xml><?xml version="1.0" encoding="utf-8"?>
+<p:sld xmlns:a="http://schemas.openxmlformats.org/drawingml/2006/main" xmlns:r="http://schemas.openxmlformats.org/officeDocument/2006/relationships" xmlns:p="http://schemas.openxmlformats.org/presentationml/2006/main">
+  <p:cSld>
+    <p:spTree>
+      <p:nvGrpSpPr>
+        <p:cNvPr id="1" name=""/>
+        <p:cNvGrpSpPr/>
+        <p:nvPr/>
+      </p:nvGrpSpPr>
+      <p:grpSpPr>
+        <a:xfrm>
+          <a:off x="0" y="0"/>
+          <a:ext cx="0" cy="0"/>
+          <a:chOff x="0" y="0"/>
+          <a:chExt cx="0" cy="0"/>
+        </a:xfrm>
+      </p:grpSpPr>
+      <p:sp>
+        <p:nvSpPr>
+          <p:cNvPr id="2" name="Title 1"/>
+          <p:cNvSpPr>
+            <a:spLocks noGrp="1"/>
+          </p:cNvSpPr>
+          <p:nvPr>
+            <p:ph type="title"/>
+          </p:nvPr>
+        </p:nvSpPr>
+        <p:spPr/>
+        <p:txBody>
+          <a:bodyPr/>
+          <a:lstStyle/>
+          <a:p>
+            <a:r>
+              <a:rPr lang="en-US" dirty="0" smtClean="0"/>
+              <a:t>Development</a:t>
+            </a:r>
+            <a:endParaRPr lang="en-GB" dirty="0"/>
+          </a:p>
+        </p:txBody>
+      </p:sp>
+      <p:sp>
+        <p:nvSpPr>
+          <p:cNvPr id="3" name="Content Placeholder 2"/>
+          <p:cNvSpPr>
+            <a:spLocks noGrp="1"/>
+          </p:cNvSpPr>
+          <p:nvPr>
+            <p:ph idx="1"/>
+          </p:nvPr>
+        </p:nvSpPr>
+        <p:spPr/>
+        <p:txBody>
+          <a:bodyPr/>
+          <a:lstStyle/>
+          <a:p>
+            <a:endParaRPr lang="en-GB"/>
+          </a:p>
+        </p:txBody>
+      </p:sp>
+    </p:spTree>
+    <p:extLst>
+      <p:ext uri="{BB962C8B-B14F-4D97-AF65-F5344CB8AC3E}">
+        <p14:creationId xmlns:p14="http://schemas.microsoft.com/office/powerpoint/2010/main" val="1098497208"/>
+      </p:ext>
+    </p:extLst>
+  </p:cSld>
+  <p:clrMapOvr>
+    <a:masterClrMapping/>
+  </p:clrMapOvr>
+</p:sld>
+</file>
+
+<file path=ppt/slides/slide7.xml><?xml version="1.0" encoding="utf-8"?>
+<p:sld xmlns:a="http://schemas.openxmlformats.org/drawingml/2006/main" xmlns:r="http://schemas.openxmlformats.org/officeDocument/2006/relationships" xmlns:p="http://schemas.openxmlformats.org/presentationml/2006/main">
+  <p:cSld>
+    <p:spTree>
+      <p:nvGrpSpPr>
+        <p:cNvPr id="1" name=""/>
+        <p:cNvGrpSpPr/>
+        <p:nvPr/>
+      </p:nvGrpSpPr>
+      <p:grpSpPr>
+        <a:xfrm>
+          <a:off x="0" y="0"/>
+          <a:ext cx="0" cy="0"/>
+          <a:chOff x="0" y="0"/>
+          <a:chExt cx="0" cy="0"/>
+        </a:xfrm>
+      </p:grpSpPr>
+      <p:sp>
+        <p:nvSpPr>
+          <p:cNvPr id="2" name="Title 1"/>
+          <p:cNvSpPr>
+            <a:spLocks noGrp="1"/>
+          </p:cNvSpPr>
+          <p:nvPr>
+            <p:ph type="title"/>
+          </p:nvPr>
+        </p:nvSpPr>
+        <p:spPr/>
+        <p:txBody>
+          <a:bodyPr/>
+          <a:lstStyle/>
+          <a:p>
+            <a:r>
+              <a:rPr lang="en-US" dirty="0" smtClean="0"/>
+              <a:t>UX</a:t>
+            </a:r>
+            <a:endParaRPr lang="en-GB" dirty="0"/>
+          </a:p>
+        </p:txBody>
+      </p:sp>
+      <p:sp>
+        <p:nvSpPr>
+          <p:cNvPr id="3" name="Content Placeholder 2"/>
+          <p:cNvSpPr>
+            <a:spLocks noGrp="1"/>
+          </p:cNvSpPr>
+          <p:nvPr>
+            <p:ph idx="1"/>
+          </p:nvPr>
+        </p:nvSpPr>
+        <p:spPr/>
+        <p:txBody>
+          <a:bodyPr/>
+          <a:lstStyle/>
+          <a:p>
+            <a:endParaRPr lang="en-GB"/>
+          </a:p>
+        </p:txBody>
+      </p:sp>
+    </p:spTree>
+    <p:extLst>
+      <p:ext uri="{BB962C8B-B14F-4D97-AF65-F5344CB8AC3E}">
+        <p14:creationId xmlns:p14="http://schemas.microsoft.com/office/powerpoint/2010/main" val="1696609983"/>
+      </p:ext>
+    </p:extLst>
+  </p:cSld>
+  <p:clrMapOvr>
+    <a:masterClrMapping/>
+  </p:clrMapOvr>
+  <p:timing>
+    <p:tnLst>
+      <p:par>
+        <p:cTn id="1" dur="indefinite" restart="never" nodeType="tmRoot"/>
+      </p:par>
+    </p:tnLst>
+  </p:timing>
+</p:sld>
+</file>
+
+<file path=ppt/slides/slide8.xml><?xml version="1.0" encoding="utf-8"?>
+<p:sld xmlns:a="http://schemas.openxmlformats.org/drawingml/2006/main" xmlns:r="http://schemas.openxmlformats.org/officeDocument/2006/relationships" xmlns:p="http://schemas.openxmlformats.org/presentationml/2006/main">
+  <p:cSld>
+    <p:spTree>
+      <p:nvGrpSpPr>
+        <p:cNvPr id="1" name=""/>
+        <p:cNvGrpSpPr/>
+        <p:nvPr/>
+      </p:nvGrpSpPr>
+      <p:grpSpPr>
+        <a:xfrm>
+          <a:off x="0" y="0"/>
+          <a:ext cx="0" cy="0"/>
+          <a:chOff x="0" y="0"/>
+          <a:chExt cx="0" cy="0"/>
+        </a:xfrm>
+      </p:grpSpPr>
+      <p:sp>
+        <p:nvSpPr>
+          <p:cNvPr id="2" name="Title 1"/>
+          <p:cNvSpPr>
+            <a:spLocks noGrp="1"/>
+          </p:cNvSpPr>
+          <p:nvPr>
+            <p:ph type="title"/>
+          </p:nvPr>
+        </p:nvSpPr>
+        <p:spPr/>
+        <p:txBody>
+          <a:bodyPr/>
+          <a:lstStyle/>
+          <a:p>
+            <a:r>
+              <a:rPr lang="en-US" dirty="0" smtClean="0"/>
+              <a:t>Levels</a:t>
+            </a:r>
+            <a:endParaRPr lang="en-GB" dirty="0"/>
+          </a:p>
+        </p:txBody>
+      </p:sp>
+      <p:sp>
+        <p:nvSpPr>
+          <p:cNvPr id="3" name="Content Placeholder 2"/>
+          <p:cNvSpPr>
+            <a:spLocks noGrp="1"/>
+          </p:cNvSpPr>
+          <p:nvPr>
+            <p:ph idx="1"/>
+          </p:nvPr>
+        </p:nvSpPr>
+        <p:spPr/>
+        <p:txBody>
+          <a:bodyPr/>
+          <a:lstStyle/>
+          <a:p>
+            <a:endParaRPr lang="en-GB"/>
+          </a:p>
+        </p:txBody>
+      </p:sp>
+    </p:spTree>
+    <p:extLst>
+      <p:ext uri="{BB962C8B-B14F-4D97-AF65-F5344CB8AC3E}">
+        <p14:creationId xmlns:p14="http://schemas.microsoft.com/office/powerpoint/2010/main" val="2826688074"/>
+      </p:ext>
+    </p:extLst>
+  </p:cSld>
+  <p:clrMapOvr>
+    <a:masterClrMapping/>
+  </p:clrMapOvr>
+</p:sld>
+</file>
+
+<file path=ppt/slides/slide9.xml><?xml version="1.0" encoding="utf-8"?>
+<p:sld xmlns:a="http://schemas.openxmlformats.org/drawingml/2006/main" xmlns:r="http://schemas.openxmlformats.org/officeDocument/2006/relationships" xmlns:p="http://schemas.openxmlformats.org/presentationml/2006/main">
+  <p:cSld>
+    <p:spTree>
+      <p:nvGrpSpPr>
+        <p:cNvPr id="1" name=""/>
+        <p:cNvGrpSpPr/>
+        <p:nvPr/>
+      </p:nvGrpSpPr>
+      <p:grpSpPr>
+        <a:xfrm>
+          <a:off x="0" y="0"/>
+          <a:ext cx="0" cy="0"/>
+          <a:chOff x="0" y="0"/>
+          <a:chExt cx="0" cy="0"/>
+        </a:xfrm>
+      </p:grpSpPr>
+      <p:sp>
+        <p:nvSpPr>
+          <p:cNvPr id="2" name="Title 1"/>
+          <p:cNvSpPr>
+            <a:spLocks noGrp="1"/>
+          </p:cNvSpPr>
+          <p:nvPr>
+            <p:ph type="title"/>
+          </p:nvPr>
+        </p:nvSpPr>
+        <p:spPr/>
+        <p:txBody>
+          <a:bodyPr/>
+          <a:lstStyle/>
+          <a:p>
+            <a:r>
+              <a:rPr lang="en-US" dirty="0" smtClean="0"/>
+              <a:t>Development</a:t>
+            </a:r>
+            <a:endParaRPr lang="en-GB" dirty="0"/>
+          </a:p>
+        </p:txBody>
+      </p:sp>
+      <p:sp>
+        <p:nvSpPr>
+          <p:cNvPr id="3" name="Content Placeholder 2"/>
+          <p:cNvSpPr>
+            <a:spLocks noGrp="1"/>
+          </p:cNvSpPr>
+          <p:nvPr>
+            <p:ph idx="1"/>
+          </p:nvPr>
+        </p:nvSpPr>
+        <p:spPr/>
+        <p:txBody>
+          <a:bodyPr/>
+          <a:lstStyle/>
+          <a:p>
+            <a:endParaRPr lang="en-GB"/>
+          </a:p>
+        </p:txBody>
+      </p:sp>
+    </p:spTree>
+    <p:extLst>
+      <p:ext uri="{BB962C8B-B14F-4D97-AF65-F5344CB8AC3E}">
+        <p14:creationId xmlns:p14="http://schemas.microsoft.com/office/powerpoint/2010/main" val="9111756"/>
       </p:ext>
     </p:extLst>
   </p:cSld>
@@ -3669,4 +4115,18 @@
   <a:objectDefaults/>
   <a:extraClrSchemeLst/>
 </a:theme>
+</file>
+
+<file path=customXml/item1.xml><?xml version="1.0" encoding="utf-8"?>
+<Control xmlns="http://schemas.microsoft.com/VisualStudio/2011/storyboarding/control">
+  <Id Name="889452e8-b853-4c16-8d39-f0f7b318a337" Revision="1" Stencil="System.MyShapes" StencilVersion="1.0"/>
+</Control>
+</file>
+
+<file path=customXml/itemProps1.xml><?xml version="1.0" encoding="utf-8"?>
+<ds:datastoreItem xmlns:ds="http://schemas.openxmlformats.org/officeDocument/2006/customXml" ds:itemID="{B5C09E55-C842-4EB2-BBFA-DCE0F3E4E737}">
+  <ds:schemaRefs>
+    <ds:schemaRef ds:uri="http://schemas.microsoft.com/VisualStudio/2011/storyboarding/control"/>
+  </ds:schemaRefs>
+</ds:datastoreItem>
 </file>
--- a/Presentatie/DevPhase1.pptx
+++ b/Presentatie/DevPhase1.pptx
@@ -4,16 +4,22 @@
   <p:sldMasterIdLst>
     <p:sldMasterId id="2147483660" r:id="rId2"/>
   </p:sldMasterIdLst>
+  <p:notesMasterIdLst>
+    <p:notesMasterId r:id="rId15"/>
+  </p:notesMasterIdLst>
   <p:sldIdLst>
     <p:sldId id="256" r:id="rId3"/>
     <p:sldId id="257" r:id="rId4"/>
     <p:sldId id="258" r:id="rId5"/>
-    <p:sldId id="259" r:id="rId6"/>
-    <p:sldId id="260" r:id="rId7"/>
-    <p:sldId id="261" r:id="rId8"/>
-    <p:sldId id="262" r:id="rId9"/>
-    <p:sldId id="263" r:id="rId10"/>
-    <p:sldId id="264" r:id="rId11"/>
+    <p:sldId id="266" r:id="rId6"/>
+    <p:sldId id="259" r:id="rId7"/>
+    <p:sldId id="267" r:id="rId8"/>
+    <p:sldId id="260" r:id="rId9"/>
+    <p:sldId id="268" r:id="rId10"/>
+    <p:sldId id="261" r:id="rId11"/>
+    <p:sldId id="264" r:id="rId12"/>
+    <p:sldId id="262" r:id="rId13"/>
+    <p:sldId id="263" r:id="rId14"/>
   </p:sldIdLst>
   <p:sldSz cx="9144000" cy="6858000" type="screen4x3"/>
   <p:notesSz cx="6858000" cy="9144000"/>
@@ -115,6 +121,1607 @@
 </p:presentation>
 </file>
 
+<file path=ppt/notesMasters/notesMaster1.xml><?xml version="1.0" encoding="utf-8"?>
+<p:notesMaster xmlns:a="http://schemas.openxmlformats.org/drawingml/2006/main" xmlns:r="http://schemas.openxmlformats.org/officeDocument/2006/relationships" xmlns:p="http://schemas.openxmlformats.org/presentationml/2006/main">
+  <p:cSld>
+    <p:bg>
+      <p:bgRef idx="1001">
+        <a:schemeClr val="bg1"/>
+      </p:bgRef>
+    </p:bg>
+    <p:spTree>
+      <p:nvGrpSpPr>
+        <p:cNvPr id="1" name=""/>
+        <p:cNvGrpSpPr/>
+        <p:nvPr/>
+      </p:nvGrpSpPr>
+      <p:grpSpPr>
+        <a:xfrm>
+          <a:off x="0" y="0"/>
+          <a:ext cx="0" cy="0"/>
+          <a:chOff x="0" y="0"/>
+          <a:chExt cx="0" cy="0"/>
+        </a:xfrm>
+      </p:grpSpPr>
+      <p:sp>
+        <p:nvSpPr>
+          <p:cNvPr id="2" name="Header Placeholder 1"/>
+          <p:cNvSpPr>
+            <a:spLocks noGrp="1"/>
+          </p:cNvSpPr>
+          <p:nvPr>
+            <p:ph type="hdr" sz="quarter"/>
+          </p:nvPr>
+        </p:nvSpPr>
+        <p:spPr>
+          <a:xfrm>
+            <a:off x="0" y="0"/>
+            <a:ext cx="2971800" cy="457200"/>
+          </a:xfrm>
+          <a:prstGeom prst="rect">
+            <a:avLst/>
+          </a:prstGeom>
+        </p:spPr>
+        <p:txBody>
+          <a:bodyPr vert="horz" lIns="91440" tIns="45720" rIns="91440" bIns="45720" rtlCol="0"/>
+          <a:lstStyle>
+            <a:lvl1pPr algn="l">
+              <a:defRPr sz="1200"/>
+            </a:lvl1pPr>
+          </a:lstStyle>
+          <a:p>
+            <a:endParaRPr lang="en-GB"/>
+          </a:p>
+        </p:txBody>
+      </p:sp>
+      <p:sp>
+        <p:nvSpPr>
+          <p:cNvPr id="3" name="Date Placeholder 2"/>
+          <p:cNvSpPr>
+            <a:spLocks noGrp="1"/>
+          </p:cNvSpPr>
+          <p:nvPr>
+            <p:ph type="dt" idx="1"/>
+          </p:nvPr>
+        </p:nvSpPr>
+        <p:spPr>
+          <a:xfrm>
+            <a:off x="3884613" y="0"/>
+            <a:ext cx="2971800" cy="457200"/>
+          </a:xfrm>
+          <a:prstGeom prst="rect">
+            <a:avLst/>
+          </a:prstGeom>
+        </p:spPr>
+        <p:txBody>
+          <a:bodyPr vert="horz" lIns="91440" tIns="45720" rIns="91440" bIns="45720" rtlCol="0"/>
+          <a:lstStyle>
+            <a:lvl1pPr algn="r">
+              <a:defRPr sz="1200"/>
+            </a:lvl1pPr>
+          </a:lstStyle>
+          <a:p>
+            <a:fld id="{D902C16A-76F9-4B71-9D8F-C522702125D6}" type="datetimeFigureOut">
+              <a:rPr lang="en-GB" smtClean="0"/>
+              <a:t>25/04/2016</a:t>
+            </a:fld>
+            <a:endParaRPr lang="en-GB"/>
+          </a:p>
+        </p:txBody>
+      </p:sp>
+      <p:sp>
+        <p:nvSpPr>
+          <p:cNvPr id="4" name="Slide Image Placeholder 3"/>
+          <p:cNvSpPr>
+            <a:spLocks noGrp="1" noRot="1" noChangeAspect="1"/>
+          </p:cNvSpPr>
+          <p:nvPr>
+            <p:ph type="sldImg" idx="2"/>
+          </p:nvPr>
+        </p:nvSpPr>
+        <p:spPr>
+          <a:xfrm>
+            <a:off x="1143000" y="685800"/>
+            <a:ext cx="4572000" cy="3429000"/>
+          </a:xfrm>
+          <a:prstGeom prst="rect">
+            <a:avLst/>
+          </a:prstGeom>
+          <a:noFill/>
+          <a:ln w="12700">
+            <a:solidFill>
+              <a:prstClr val="black"/>
+            </a:solidFill>
+          </a:ln>
+        </p:spPr>
+        <p:txBody>
+          <a:bodyPr vert="horz" lIns="91440" tIns="45720" rIns="91440" bIns="45720" rtlCol="0" anchor="ctr"/>
+          <a:lstStyle/>
+          <a:p>
+            <a:endParaRPr lang="en-GB"/>
+          </a:p>
+        </p:txBody>
+      </p:sp>
+      <p:sp>
+        <p:nvSpPr>
+          <p:cNvPr id="5" name="Notes Placeholder 4"/>
+          <p:cNvSpPr>
+            <a:spLocks noGrp="1"/>
+          </p:cNvSpPr>
+          <p:nvPr>
+            <p:ph type="body" sz="quarter" idx="3"/>
+          </p:nvPr>
+        </p:nvSpPr>
+        <p:spPr>
+          <a:xfrm>
+            <a:off x="685800" y="4343400"/>
+            <a:ext cx="5486400" cy="4114800"/>
+          </a:xfrm>
+          <a:prstGeom prst="rect">
+            <a:avLst/>
+          </a:prstGeom>
+        </p:spPr>
+        <p:txBody>
+          <a:bodyPr vert="horz" lIns="91440" tIns="45720" rIns="91440" bIns="45720" rtlCol="0"/>
+          <a:lstStyle/>
+          <a:p>
+            <a:pPr lvl="0"/>
+            <a:r>
+              <a:rPr lang="en-US" smtClean="0"/>
+              <a:t>Click to edit Master text styles</a:t>
+            </a:r>
+          </a:p>
+          <a:p>
+            <a:pPr lvl="1"/>
+            <a:r>
+              <a:rPr lang="en-US" smtClean="0"/>
+              <a:t>Second level</a:t>
+            </a:r>
+          </a:p>
+          <a:p>
+            <a:pPr lvl="2"/>
+            <a:r>
+              <a:rPr lang="en-US" smtClean="0"/>
+              <a:t>Third level</a:t>
+            </a:r>
+          </a:p>
+          <a:p>
+            <a:pPr lvl="3"/>
+            <a:r>
+              <a:rPr lang="en-US" smtClean="0"/>
+              <a:t>Fourth level</a:t>
+            </a:r>
+          </a:p>
+          <a:p>
+            <a:pPr lvl="4"/>
+            <a:r>
+              <a:rPr lang="en-US" smtClean="0"/>
+              <a:t>Fifth level</a:t>
+            </a:r>
+            <a:endParaRPr lang="en-GB"/>
+          </a:p>
+        </p:txBody>
+      </p:sp>
+      <p:sp>
+        <p:nvSpPr>
+          <p:cNvPr id="6" name="Footer Placeholder 5"/>
+          <p:cNvSpPr>
+            <a:spLocks noGrp="1"/>
+          </p:cNvSpPr>
+          <p:nvPr>
+            <p:ph type="ftr" sz="quarter" idx="4"/>
+          </p:nvPr>
+        </p:nvSpPr>
+        <p:spPr>
+          <a:xfrm>
+            <a:off x="0" y="8685213"/>
+            <a:ext cx="2971800" cy="457200"/>
+          </a:xfrm>
+          <a:prstGeom prst="rect">
+            <a:avLst/>
+          </a:prstGeom>
+        </p:spPr>
+        <p:txBody>
+          <a:bodyPr vert="horz" lIns="91440" tIns="45720" rIns="91440" bIns="45720" rtlCol="0" anchor="b"/>
+          <a:lstStyle>
+            <a:lvl1pPr algn="l">
+              <a:defRPr sz="1200"/>
+            </a:lvl1pPr>
+          </a:lstStyle>
+          <a:p>
+            <a:endParaRPr lang="en-GB"/>
+          </a:p>
+        </p:txBody>
+      </p:sp>
+      <p:sp>
+        <p:nvSpPr>
+          <p:cNvPr id="7" name="Slide Number Placeholder 6"/>
+          <p:cNvSpPr>
+            <a:spLocks noGrp="1"/>
+          </p:cNvSpPr>
+          <p:nvPr>
+            <p:ph type="sldNum" sz="quarter" idx="5"/>
+          </p:nvPr>
+        </p:nvSpPr>
+        <p:spPr>
+          <a:xfrm>
+            <a:off x="3884613" y="8685213"/>
+            <a:ext cx="2971800" cy="457200"/>
+          </a:xfrm>
+          <a:prstGeom prst="rect">
+            <a:avLst/>
+          </a:prstGeom>
+        </p:spPr>
+        <p:txBody>
+          <a:bodyPr vert="horz" lIns="91440" tIns="45720" rIns="91440" bIns="45720" rtlCol="0" anchor="b"/>
+          <a:lstStyle>
+            <a:lvl1pPr algn="r">
+              <a:defRPr sz="1200"/>
+            </a:lvl1pPr>
+          </a:lstStyle>
+          <a:p>
+            <a:fld id="{19F6E6E9-B407-4EE0-928E-00756260D081}" type="slidenum">
+              <a:rPr lang="en-GB" smtClean="0"/>
+              <a:t>‹#›</a:t>
+            </a:fld>
+            <a:endParaRPr lang="en-GB"/>
+          </a:p>
+        </p:txBody>
+      </p:sp>
+    </p:spTree>
+    <p:extLst>
+      <p:ext uri="{BB962C8B-B14F-4D97-AF65-F5344CB8AC3E}">
+        <p14:creationId xmlns:p14="http://schemas.microsoft.com/office/powerpoint/2010/main" val="1641060976"/>
+      </p:ext>
+    </p:extLst>
+  </p:cSld>
+  <p:clrMap bg1="lt1" tx1="dk1" bg2="lt2" tx2="dk2" accent1="accent1" accent2="accent2" accent3="accent3" accent4="accent4" accent5="accent5" accent6="accent6" hlink="hlink" folHlink="folHlink"/>
+  <p:notesStyle>
+    <a:lvl1pPr marL="0" algn="l" defTabSz="914400" rtl="0" eaLnBrk="1" latinLnBrk="0" hangingPunct="1">
+      <a:defRPr sz="1200" kern="1200">
+        <a:solidFill>
+          <a:schemeClr val="tx1"/>
+        </a:solidFill>
+        <a:latin typeface="+mn-lt"/>
+        <a:ea typeface="+mn-ea"/>
+        <a:cs typeface="+mn-cs"/>
+      </a:defRPr>
+    </a:lvl1pPr>
+    <a:lvl2pPr marL="457200" algn="l" defTabSz="914400" rtl="0" eaLnBrk="1" latinLnBrk="0" hangingPunct="1">
+      <a:defRPr sz="1200" kern="1200">
+        <a:solidFill>
+          <a:schemeClr val="tx1"/>
+        </a:solidFill>
+        <a:latin typeface="+mn-lt"/>
+        <a:ea typeface="+mn-ea"/>
+        <a:cs typeface="+mn-cs"/>
+      </a:defRPr>
+    </a:lvl2pPr>
+    <a:lvl3pPr marL="914400" algn="l" defTabSz="914400" rtl="0" eaLnBrk="1" latinLnBrk="0" hangingPunct="1">
+      <a:defRPr sz="1200" kern="1200">
+        <a:solidFill>
+          <a:schemeClr val="tx1"/>
+        </a:solidFill>
+        <a:latin typeface="+mn-lt"/>
+        <a:ea typeface="+mn-ea"/>
+        <a:cs typeface="+mn-cs"/>
+      </a:defRPr>
+    </a:lvl3pPr>
+    <a:lvl4pPr marL="1371600" algn="l" defTabSz="914400" rtl="0" eaLnBrk="1" latinLnBrk="0" hangingPunct="1">
+      <a:defRPr sz="1200" kern="1200">
+        <a:solidFill>
+          <a:schemeClr val="tx1"/>
+        </a:solidFill>
+        <a:latin typeface="+mn-lt"/>
+        <a:ea typeface="+mn-ea"/>
+        <a:cs typeface="+mn-cs"/>
+      </a:defRPr>
+    </a:lvl4pPr>
+    <a:lvl5pPr marL="1828800" algn="l" defTabSz="914400" rtl="0" eaLnBrk="1" latinLnBrk="0" hangingPunct="1">
+      <a:defRPr sz="1200" kern="1200">
+        <a:solidFill>
+          <a:schemeClr val="tx1"/>
+        </a:solidFill>
+        <a:latin typeface="+mn-lt"/>
+        <a:ea typeface="+mn-ea"/>
+        <a:cs typeface="+mn-cs"/>
+      </a:defRPr>
+    </a:lvl5pPr>
+    <a:lvl6pPr marL="2286000" algn="l" defTabSz="914400" rtl="0" eaLnBrk="1" latinLnBrk="0" hangingPunct="1">
+      <a:defRPr sz="1200" kern="1200">
+        <a:solidFill>
+          <a:schemeClr val="tx1"/>
+        </a:solidFill>
+        <a:latin typeface="+mn-lt"/>
+        <a:ea typeface="+mn-ea"/>
+        <a:cs typeface="+mn-cs"/>
+      </a:defRPr>
+    </a:lvl6pPr>
+    <a:lvl7pPr marL="2743200" algn="l" defTabSz="914400" rtl="0" eaLnBrk="1" latinLnBrk="0" hangingPunct="1">
+      <a:defRPr sz="1200" kern="1200">
+        <a:solidFill>
+          <a:schemeClr val="tx1"/>
+        </a:solidFill>
+        <a:latin typeface="+mn-lt"/>
+        <a:ea typeface="+mn-ea"/>
+        <a:cs typeface="+mn-cs"/>
+      </a:defRPr>
+    </a:lvl7pPr>
+    <a:lvl8pPr marL="3200400" algn="l" defTabSz="914400" rtl="0" eaLnBrk="1" latinLnBrk="0" hangingPunct="1">
+      <a:defRPr sz="1200" kern="1200">
+        <a:solidFill>
+          <a:schemeClr val="tx1"/>
+        </a:solidFill>
+        <a:latin typeface="+mn-lt"/>
+        <a:ea typeface="+mn-ea"/>
+        <a:cs typeface="+mn-cs"/>
+      </a:defRPr>
+    </a:lvl8pPr>
+    <a:lvl9pPr marL="3657600" algn="l" defTabSz="914400" rtl="0" eaLnBrk="1" latinLnBrk="0" hangingPunct="1">
+      <a:defRPr sz="1200" kern="1200">
+        <a:solidFill>
+          <a:schemeClr val="tx1"/>
+        </a:solidFill>
+        <a:latin typeface="+mn-lt"/>
+        <a:ea typeface="+mn-ea"/>
+        <a:cs typeface="+mn-cs"/>
+      </a:defRPr>
+    </a:lvl9pPr>
+  </p:notesStyle>
+</p:notesMaster>
+</file>
+
+<file path=ppt/notesSlides/notesSlide1.xml><?xml version="1.0" encoding="utf-8"?>
+<p:notes xmlns:a="http://schemas.openxmlformats.org/drawingml/2006/main" xmlns:r="http://schemas.openxmlformats.org/officeDocument/2006/relationships" xmlns:p="http://schemas.openxmlformats.org/presentationml/2006/main">
+  <p:cSld>
+    <p:spTree>
+      <p:nvGrpSpPr>
+        <p:cNvPr id="1" name=""/>
+        <p:cNvGrpSpPr/>
+        <p:nvPr/>
+      </p:nvGrpSpPr>
+      <p:grpSpPr>
+        <a:xfrm>
+          <a:off x="0" y="0"/>
+          <a:ext cx="0" cy="0"/>
+          <a:chOff x="0" y="0"/>
+          <a:chExt cx="0" cy="0"/>
+        </a:xfrm>
+      </p:grpSpPr>
+      <p:sp>
+        <p:nvSpPr>
+          <p:cNvPr id="2" name="Slide Image Placeholder 1"/>
+          <p:cNvSpPr>
+            <a:spLocks noGrp="1" noRot="1" noChangeAspect="1"/>
+          </p:cNvSpPr>
+          <p:nvPr>
+            <p:ph type="sldImg"/>
+          </p:nvPr>
+        </p:nvSpPr>
+        <p:spPr/>
+      </p:sp>
+      <p:sp>
+        <p:nvSpPr>
+          <p:cNvPr id="3" name="Notes Placeholder 2"/>
+          <p:cNvSpPr>
+            <a:spLocks noGrp="1"/>
+          </p:cNvSpPr>
+          <p:nvPr>
+            <p:ph type="body" idx="1"/>
+          </p:nvPr>
+        </p:nvSpPr>
+        <p:spPr/>
+        <p:txBody>
+          <a:bodyPr/>
+          <a:lstStyle/>
+          <a:p>
+            <a:endParaRPr lang="en-GB" dirty="0"/>
+          </a:p>
+        </p:txBody>
+      </p:sp>
+      <p:sp>
+        <p:nvSpPr>
+          <p:cNvPr id="4" name="Slide Number Placeholder 3"/>
+          <p:cNvSpPr>
+            <a:spLocks noGrp="1"/>
+          </p:cNvSpPr>
+          <p:nvPr>
+            <p:ph type="sldNum" sz="quarter" idx="10"/>
+          </p:nvPr>
+        </p:nvSpPr>
+        <p:spPr/>
+        <p:txBody>
+          <a:bodyPr/>
+          <a:lstStyle/>
+          <a:p>
+            <a:fld id="{19F6E6E9-B407-4EE0-928E-00756260D081}" type="slidenum">
+              <a:rPr lang="en-GB" smtClean="0"/>
+              <a:t>8</a:t>
+            </a:fld>
+            <a:endParaRPr lang="en-GB"/>
+          </a:p>
+        </p:txBody>
+      </p:sp>
+    </p:spTree>
+    <p:extLst>
+      <p:ext uri="{BB962C8B-B14F-4D97-AF65-F5344CB8AC3E}">
+        <p14:creationId xmlns:p14="http://schemas.microsoft.com/office/powerpoint/2010/main" val="2148462117"/>
+      </p:ext>
+    </p:extLst>
+  </p:cSld>
+  <p:clrMapOvr>
+    <a:masterClrMapping/>
+  </p:clrMapOvr>
+</p:notes>
+</file>
+
+<file path=ppt/notesSlides/notesSlide2.xml><?xml version="1.0" encoding="utf-8"?>
+<p:notes xmlns:a="http://schemas.openxmlformats.org/drawingml/2006/main" xmlns:r="http://schemas.openxmlformats.org/officeDocument/2006/relationships" xmlns:p="http://schemas.openxmlformats.org/presentationml/2006/main">
+  <p:cSld>
+    <p:spTree>
+      <p:nvGrpSpPr>
+        <p:cNvPr id="1" name=""/>
+        <p:cNvGrpSpPr/>
+        <p:nvPr/>
+      </p:nvGrpSpPr>
+      <p:grpSpPr>
+        <a:xfrm>
+          <a:off x="0" y="0"/>
+          <a:ext cx="0" cy="0"/>
+          <a:chOff x="0" y="0"/>
+          <a:chExt cx="0" cy="0"/>
+        </a:xfrm>
+      </p:grpSpPr>
+      <p:sp>
+        <p:nvSpPr>
+          <p:cNvPr id="2" name="Slide Image Placeholder 1"/>
+          <p:cNvSpPr>
+            <a:spLocks noGrp="1" noRot="1" noChangeAspect="1"/>
+          </p:cNvSpPr>
+          <p:nvPr>
+            <p:ph type="sldImg"/>
+          </p:nvPr>
+        </p:nvSpPr>
+        <p:spPr/>
+      </p:sp>
+      <p:sp>
+        <p:nvSpPr>
+          <p:cNvPr id="3" name="Notes Placeholder 2"/>
+          <p:cNvSpPr>
+            <a:spLocks noGrp="1"/>
+          </p:cNvSpPr>
+          <p:nvPr>
+            <p:ph type="body" idx="1"/>
+          </p:nvPr>
+        </p:nvSpPr>
+        <p:spPr/>
+        <p:txBody>
+          <a:bodyPr/>
+          <a:lstStyle/>
+          <a:p>
+            <a:r>
+              <a:rPr lang="nl-NL" sz="1200" b="1" kern="1200" dirty="0" smtClean="0">
+                <a:solidFill>
+                  <a:schemeClr val="tx1"/>
+                </a:solidFill>
+                <a:effectLst/>
+                <a:latin typeface="+mn-lt"/>
+                <a:ea typeface="+mn-ea"/>
+                <a:cs typeface="+mn-cs"/>
+              </a:rPr>
+              <a:t>Presentatie Fase 2 Code:</a:t>
+            </a:r>
+            <a:endParaRPr lang="en-GB" sz="1200" kern="1200" dirty="0" smtClean="0">
+              <a:solidFill>
+                <a:schemeClr val="tx1"/>
+              </a:solidFill>
+              <a:effectLst/>
+              <a:latin typeface="+mn-lt"/>
+              <a:ea typeface="+mn-ea"/>
+              <a:cs typeface="+mn-cs"/>
+            </a:endParaRPr>
+          </a:p>
+          <a:p>
+            <a:r>
+              <a:rPr lang="nl-NL" sz="1200" b="1" kern="1200" dirty="0" smtClean="0">
+                <a:solidFill>
+                  <a:schemeClr val="tx1"/>
+                </a:solidFill>
+                <a:effectLst/>
+                <a:latin typeface="+mn-lt"/>
+                <a:ea typeface="+mn-ea"/>
+                <a:cs typeface="+mn-cs"/>
+              </a:rPr>
+              <a:t>Status Game Technisch Gebied :</a:t>
+            </a:r>
+            <a:endParaRPr lang="en-GB" sz="1200" kern="1200" dirty="0" smtClean="0">
+              <a:solidFill>
+                <a:schemeClr val="tx1"/>
+              </a:solidFill>
+              <a:effectLst/>
+              <a:latin typeface="+mn-lt"/>
+              <a:ea typeface="+mn-ea"/>
+              <a:cs typeface="+mn-cs"/>
+            </a:endParaRPr>
+          </a:p>
+          <a:p>
+            <a:r>
+              <a:rPr lang="nl-NL" sz="1200" kern="1200" dirty="0" smtClean="0">
+                <a:solidFill>
+                  <a:schemeClr val="tx1"/>
+                </a:solidFill>
+                <a:effectLst/>
+                <a:latin typeface="+mn-lt"/>
+                <a:ea typeface="+mn-ea"/>
+                <a:cs typeface="+mn-cs"/>
+              </a:rPr>
+              <a:t>Game is op technisch gebied op de helft, De meest belangrijke dingen werken alleen de enemies moeten nog hellemaal gemaakt worden. </a:t>
+            </a:r>
+            <a:endParaRPr lang="en-GB" sz="1200" kern="1200" dirty="0" smtClean="0">
+              <a:solidFill>
+                <a:schemeClr val="tx1"/>
+              </a:solidFill>
+              <a:effectLst/>
+              <a:latin typeface="+mn-lt"/>
+              <a:ea typeface="+mn-ea"/>
+              <a:cs typeface="+mn-cs"/>
+            </a:endParaRPr>
+          </a:p>
+          <a:p>
+            <a:r>
+              <a:rPr lang="nl-NL" sz="1200" kern="1200" dirty="0" smtClean="0">
+                <a:solidFill>
+                  <a:schemeClr val="tx1"/>
+                </a:solidFill>
+                <a:effectLst/>
+                <a:latin typeface="+mn-lt"/>
+                <a:ea typeface="+mn-ea"/>
+                <a:cs typeface="+mn-cs"/>
+              </a:rPr>
+              <a:t>Functionaliteiten Game :</a:t>
+            </a:r>
+            <a:endParaRPr lang="en-GB" sz="1200" kern="1200" dirty="0" smtClean="0">
+              <a:solidFill>
+                <a:schemeClr val="tx1"/>
+              </a:solidFill>
+              <a:effectLst/>
+              <a:latin typeface="+mn-lt"/>
+              <a:ea typeface="+mn-ea"/>
+              <a:cs typeface="+mn-cs"/>
+            </a:endParaRPr>
+          </a:p>
+          <a:p>
+            <a:pPr lvl="0"/>
+            <a:r>
+              <a:rPr lang="nl-NL" sz="1200" kern="1200" dirty="0" smtClean="0">
+                <a:solidFill>
+                  <a:schemeClr val="tx1"/>
+                </a:solidFill>
+                <a:effectLst/>
+                <a:latin typeface="+mn-lt"/>
+                <a:ea typeface="+mn-ea"/>
+                <a:cs typeface="+mn-cs"/>
+              </a:rPr>
+              <a:t>Main Menu</a:t>
+            </a:r>
+            <a:endParaRPr lang="en-GB" sz="1200" kern="1200" dirty="0" smtClean="0">
+              <a:solidFill>
+                <a:schemeClr val="tx1"/>
+              </a:solidFill>
+              <a:effectLst/>
+              <a:latin typeface="+mn-lt"/>
+              <a:ea typeface="+mn-ea"/>
+              <a:cs typeface="+mn-cs"/>
+            </a:endParaRPr>
+          </a:p>
+          <a:p>
+            <a:pPr lvl="0"/>
+            <a:r>
+              <a:rPr lang="nl-NL" sz="1200" kern="1200" dirty="0" smtClean="0">
+                <a:solidFill>
+                  <a:schemeClr val="tx1"/>
+                </a:solidFill>
+                <a:effectLst/>
+                <a:latin typeface="+mn-lt"/>
+                <a:ea typeface="+mn-ea"/>
+                <a:cs typeface="+mn-cs"/>
+              </a:rPr>
+              <a:t>Level Switch Systeem, (Random tussen niveaus)</a:t>
+            </a:r>
+            <a:endParaRPr lang="en-GB" sz="1200" kern="1200" dirty="0" smtClean="0">
+              <a:solidFill>
+                <a:schemeClr val="tx1"/>
+              </a:solidFill>
+              <a:effectLst/>
+              <a:latin typeface="+mn-lt"/>
+              <a:ea typeface="+mn-ea"/>
+              <a:cs typeface="+mn-cs"/>
+            </a:endParaRPr>
+          </a:p>
+          <a:p>
+            <a:pPr lvl="0"/>
+            <a:r>
+              <a:rPr lang="nl-NL" sz="1200" kern="1200" dirty="0" smtClean="0">
+                <a:solidFill>
+                  <a:schemeClr val="tx1"/>
+                </a:solidFill>
+                <a:effectLst/>
+                <a:latin typeface="+mn-lt"/>
+                <a:ea typeface="+mn-ea"/>
+                <a:cs typeface="+mn-cs"/>
+              </a:rPr>
+              <a:t>Options menu</a:t>
+            </a:r>
+            <a:endParaRPr lang="en-GB" sz="1200" kern="1200" dirty="0" smtClean="0">
+              <a:solidFill>
+                <a:schemeClr val="tx1"/>
+              </a:solidFill>
+              <a:effectLst/>
+              <a:latin typeface="+mn-lt"/>
+              <a:ea typeface="+mn-ea"/>
+              <a:cs typeface="+mn-cs"/>
+            </a:endParaRPr>
+          </a:p>
+          <a:p>
+            <a:pPr lvl="0"/>
+            <a:r>
+              <a:rPr lang="nl-NL" sz="1200" kern="1200" dirty="0" smtClean="0">
+                <a:solidFill>
+                  <a:schemeClr val="tx1"/>
+                </a:solidFill>
+                <a:effectLst/>
+                <a:latin typeface="+mn-lt"/>
+                <a:ea typeface="+mn-ea"/>
+                <a:cs typeface="+mn-cs"/>
+              </a:rPr>
+              <a:t>Pauze menu</a:t>
+            </a:r>
+            <a:endParaRPr lang="en-GB" sz="1200" kern="1200" dirty="0" smtClean="0">
+              <a:solidFill>
+                <a:schemeClr val="tx1"/>
+              </a:solidFill>
+              <a:effectLst/>
+              <a:latin typeface="+mn-lt"/>
+              <a:ea typeface="+mn-ea"/>
+              <a:cs typeface="+mn-cs"/>
+            </a:endParaRPr>
+          </a:p>
+          <a:p>
+            <a:pPr lvl="0"/>
+            <a:r>
+              <a:rPr lang="nl-NL" sz="1200" kern="1200" dirty="0" smtClean="0">
+                <a:solidFill>
+                  <a:schemeClr val="tx1"/>
+                </a:solidFill>
+                <a:effectLst/>
+                <a:latin typeface="+mn-lt"/>
+                <a:ea typeface="+mn-ea"/>
+                <a:cs typeface="+mn-cs"/>
+              </a:rPr>
+              <a:t>Game over menu</a:t>
+            </a:r>
+            <a:endParaRPr lang="en-GB" sz="1200" kern="1200" dirty="0" smtClean="0">
+              <a:solidFill>
+                <a:schemeClr val="tx1"/>
+              </a:solidFill>
+              <a:effectLst/>
+              <a:latin typeface="+mn-lt"/>
+              <a:ea typeface="+mn-ea"/>
+              <a:cs typeface="+mn-cs"/>
+            </a:endParaRPr>
+          </a:p>
+          <a:p>
+            <a:pPr lvl="0"/>
+            <a:r>
+              <a:rPr lang="nl-NL" sz="1200" kern="1200" dirty="0" smtClean="0">
+                <a:solidFill>
+                  <a:schemeClr val="tx1"/>
+                </a:solidFill>
+                <a:effectLst/>
+                <a:latin typeface="+mn-lt"/>
+                <a:ea typeface="+mn-ea"/>
+                <a:cs typeface="+mn-cs"/>
+              </a:rPr>
+              <a:t>Schieten</a:t>
+            </a:r>
+            <a:endParaRPr lang="en-GB" sz="1200" kern="1200" dirty="0" smtClean="0">
+              <a:solidFill>
+                <a:schemeClr val="tx1"/>
+              </a:solidFill>
+              <a:effectLst/>
+              <a:latin typeface="+mn-lt"/>
+              <a:ea typeface="+mn-ea"/>
+              <a:cs typeface="+mn-cs"/>
+            </a:endParaRPr>
+          </a:p>
+          <a:p>
+            <a:pPr lvl="0"/>
+            <a:r>
+              <a:rPr lang="nl-NL" sz="1200" kern="1200" dirty="0" smtClean="0">
+                <a:solidFill>
+                  <a:schemeClr val="tx1"/>
+                </a:solidFill>
+                <a:effectLst/>
+                <a:latin typeface="+mn-lt"/>
+                <a:ea typeface="+mn-ea"/>
+                <a:cs typeface="+mn-cs"/>
+              </a:rPr>
+              <a:t>Charachter controller + Health/shield</a:t>
+            </a:r>
+            <a:endParaRPr lang="en-GB" sz="1200" kern="1200" dirty="0" smtClean="0">
+              <a:solidFill>
+                <a:schemeClr val="tx1"/>
+              </a:solidFill>
+              <a:effectLst/>
+              <a:latin typeface="+mn-lt"/>
+              <a:ea typeface="+mn-ea"/>
+              <a:cs typeface="+mn-cs"/>
+            </a:endParaRPr>
+          </a:p>
+          <a:p>
+            <a:pPr lvl="0"/>
+            <a:r>
+              <a:rPr lang="nl-NL" sz="1200" kern="1200" dirty="0" smtClean="0">
+                <a:solidFill>
+                  <a:schemeClr val="tx1"/>
+                </a:solidFill>
+                <a:effectLst/>
+                <a:latin typeface="+mn-lt"/>
+                <a:ea typeface="+mn-ea"/>
+                <a:cs typeface="+mn-cs"/>
+              </a:rPr>
+              <a:t>Charachter Upgrades</a:t>
+            </a:r>
+            <a:endParaRPr lang="en-GB" sz="1200" kern="1200" dirty="0" smtClean="0">
+              <a:solidFill>
+                <a:schemeClr val="tx1"/>
+              </a:solidFill>
+              <a:effectLst/>
+              <a:latin typeface="+mn-lt"/>
+              <a:ea typeface="+mn-ea"/>
+              <a:cs typeface="+mn-cs"/>
+            </a:endParaRPr>
+          </a:p>
+          <a:p>
+            <a:pPr lvl="0"/>
+            <a:r>
+              <a:rPr lang="nl-NL" sz="1200" kern="1200" dirty="0" smtClean="0">
+                <a:solidFill>
+                  <a:schemeClr val="tx1"/>
+                </a:solidFill>
+                <a:effectLst/>
+                <a:latin typeface="+mn-lt"/>
+                <a:ea typeface="+mn-ea"/>
+                <a:cs typeface="+mn-cs"/>
+              </a:rPr>
+              <a:t>Weapon Upgrades</a:t>
+            </a:r>
+            <a:endParaRPr lang="en-GB" sz="1200" kern="1200" dirty="0" smtClean="0">
+              <a:solidFill>
+                <a:schemeClr val="tx1"/>
+              </a:solidFill>
+              <a:effectLst/>
+              <a:latin typeface="+mn-lt"/>
+              <a:ea typeface="+mn-ea"/>
+              <a:cs typeface="+mn-cs"/>
+            </a:endParaRPr>
+          </a:p>
+          <a:p>
+            <a:pPr lvl="0"/>
+            <a:r>
+              <a:rPr lang="nl-NL" sz="1200" kern="1200" dirty="0" smtClean="0">
+                <a:solidFill>
+                  <a:schemeClr val="tx1"/>
+                </a:solidFill>
+                <a:effectLst/>
+                <a:latin typeface="+mn-lt"/>
+                <a:ea typeface="+mn-ea"/>
+                <a:cs typeface="+mn-cs"/>
+              </a:rPr>
+              <a:t>Environmental Damage + Exploding barrels</a:t>
+            </a:r>
+            <a:endParaRPr lang="en-GB" sz="1200" kern="1200" dirty="0" smtClean="0">
+              <a:solidFill>
+                <a:schemeClr val="tx1"/>
+              </a:solidFill>
+              <a:effectLst/>
+              <a:latin typeface="+mn-lt"/>
+              <a:ea typeface="+mn-ea"/>
+              <a:cs typeface="+mn-cs"/>
+            </a:endParaRPr>
+          </a:p>
+          <a:p>
+            <a:pPr lvl="0"/>
+            <a:r>
+              <a:rPr lang="nl-NL" sz="1200" kern="1200" dirty="0" smtClean="0">
+                <a:solidFill>
+                  <a:schemeClr val="tx1"/>
+                </a:solidFill>
+                <a:effectLst/>
+                <a:latin typeface="+mn-lt"/>
+                <a:ea typeface="+mn-ea"/>
+                <a:cs typeface="+mn-cs"/>
+              </a:rPr>
+              <a:t>Explosions</a:t>
+            </a:r>
+            <a:endParaRPr lang="en-GB" sz="1200" kern="1200" dirty="0" smtClean="0">
+              <a:solidFill>
+                <a:schemeClr val="tx1"/>
+              </a:solidFill>
+              <a:effectLst/>
+              <a:latin typeface="+mn-lt"/>
+              <a:ea typeface="+mn-ea"/>
+              <a:cs typeface="+mn-cs"/>
+            </a:endParaRPr>
+          </a:p>
+          <a:p>
+            <a:pPr lvl="0"/>
+            <a:r>
+              <a:rPr lang="nl-NL" sz="1200" kern="1200" dirty="0" smtClean="0">
+                <a:solidFill>
+                  <a:schemeClr val="tx1"/>
+                </a:solidFill>
+                <a:effectLst/>
+                <a:latin typeface="+mn-lt"/>
+                <a:ea typeface="+mn-ea"/>
+                <a:cs typeface="+mn-cs"/>
+              </a:rPr>
+              <a:t>Teleporter</a:t>
+            </a:r>
+            <a:endParaRPr lang="en-GB" sz="1200" kern="1200" dirty="0" smtClean="0">
+              <a:solidFill>
+                <a:schemeClr val="tx1"/>
+              </a:solidFill>
+              <a:effectLst/>
+              <a:latin typeface="+mn-lt"/>
+              <a:ea typeface="+mn-ea"/>
+              <a:cs typeface="+mn-cs"/>
+            </a:endParaRPr>
+          </a:p>
+          <a:p>
+            <a:pPr lvl="0"/>
+            <a:r>
+              <a:rPr lang="nl-NL" sz="1200" kern="1200" dirty="0" smtClean="0">
+                <a:solidFill>
+                  <a:schemeClr val="tx1"/>
+                </a:solidFill>
+                <a:effectLst/>
+                <a:latin typeface="+mn-lt"/>
+                <a:ea typeface="+mn-ea"/>
+                <a:cs typeface="+mn-cs"/>
+              </a:rPr>
+              <a:t>Interaction</a:t>
+            </a:r>
+            <a:endParaRPr lang="en-GB" sz="1200" kern="1200" dirty="0" smtClean="0">
+              <a:solidFill>
+                <a:schemeClr val="tx1"/>
+              </a:solidFill>
+              <a:effectLst/>
+              <a:latin typeface="+mn-lt"/>
+              <a:ea typeface="+mn-ea"/>
+              <a:cs typeface="+mn-cs"/>
+            </a:endParaRPr>
+          </a:p>
+          <a:p>
+            <a:pPr lvl="0"/>
+            <a:r>
+              <a:rPr lang="nl-NL" sz="1200" kern="1200" dirty="0" smtClean="0">
+                <a:solidFill>
+                  <a:schemeClr val="tx1"/>
+                </a:solidFill>
+                <a:effectLst/>
+                <a:latin typeface="+mn-lt"/>
+                <a:ea typeface="+mn-ea"/>
+                <a:cs typeface="+mn-cs"/>
+              </a:rPr>
+              <a:t>Pickup Systeem</a:t>
+            </a:r>
+            <a:endParaRPr lang="en-GB" sz="1200" kern="1200" dirty="0" smtClean="0">
+              <a:solidFill>
+                <a:schemeClr val="tx1"/>
+              </a:solidFill>
+              <a:effectLst/>
+              <a:latin typeface="+mn-lt"/>
+              <a:ea typeface="+mn-ea"/>
+              <a:cs typeface="+mn-cs"/>
+            </a:endParaRPr>
+          </a:p>
+          <a:p>
+            <a:r>
+              <a:rPr lang="nl-NL" sz="1200" kern="1200" dirty="0" smtClean="0">
+                <a:solidFill>
+                  <a:schemeClr val="tx1"/>
+                </a:solidFill>
+                <a:effectLst/>
+                <a:latin typeface="+mn-lt"/>
+                <a:ea typeface="+mn-ea"/>
+                <a:cs typeface="+mn-cs"/>
+              </a:rPr>
+              <a:t>Things to do :</a:t>
+            </a:r>
+            <a:endParaRPr lang="en-GB" sz="1200" kern="1200" dirty="0" smtClean="0">
+              <a:solidFill>
+                <a:schemeClr val="tx1"/>
+              </a:solidFill>
+              <a:effectLst/>
+              <a:latin typeface="+mn-lt"/>
+              <a:ea typeface="+mn-ea"/>
+              <a:cs typeface="+mn-cs"/>
+            </a:endParaRPr>
+          </a:p>
+          <a:p>
+            <a:pPr lvl="0"/>
+            <a:r>
+              <a:rPr lang="nl-NL" sz="1200" kern="1200" dirty="0" smtClean="0">
+                <a:solidFill>
+                  <a:schemeClr val="tx1"/>
+                </a:solidFill>
+                <a:effectLst/>
+                <a:latin typeface="+mn-lt"/>
+                <a:ea typeface="+mn-ea"/>
+                <a:cs typeface="+mn-cs"/>
+              </a:rPr>
+              <a:t>Pulsating Light</a:t>
+            </a:r>
+            <a:endParaRPr lang="en-GB" sz="1200" kern="1200" dirty="0" smtClean="0">
+              <a:solidFill>
+                <a:schemeClr val="tx1"/>
+              </a:solidFill>
+              <a:effectLst/>
+              <a:latin typeface="+mn-lt"/>
+              <a:ea typeface="+mn-ea"/>
+              <a:cs typeface="+mn-cs"/>
+            </a:endParaRPr>
+          </a:p>
+          <a:p>
+            <a:pPr lvl="0"/>
+            <a:r>
+              <a:rPr lang="nl-NL" sz="1200" kern="1200" dirty="0" smtClean="0">
+                <a:solidFill>
+                  <a:schemeClr val="tx1"/>
+                </a:solidFill>
+                <a:effectLst/>
+                <a:latin typeface="+mn-lt"/>
+                <a:ea typeface="+mn-ea"/>
+                <a:cs typeface="+mn-cs"/>
+              </a:rPr>
+              <a:t>Secret Rooms</a:t>
+            </a:r>
+            <a:endParaRPr lang="en-GB" sz="1200" kern="1200" dirty="0" smtClean="0">
+              <a:solidFill>
+                <a:schemeClr val="tx1"/>
+              </a:solidFill>
+              <a:effectLst/>
+              <a:latin typeface="+mn-lt"/>
+              <a:ea typeface="+mn-ea"/>
+              <a:cs typeface="+mn-cs"/>
+            </a:endParaRPr>
+          </a:p>
+          <a:p>
+            <a:pPr lvl="0"/>
+            <a:r>
+              <a:rPr lang="nl-NL" sz="1200" kern="1200" dirty="0" smtClean="0">
+                <a:solidFill>
+                  <a:schemeClr val="tx1"/>
+                </a:solidFill>
+                <a:effectLst/>
+                <a:latin typeface="+mn-lt"/>
+                <a:ea typeface="+mn-ea"/>
+                <a:cs typeface="+mn-cs"/>
+              </a:rPr>
+              <a:t>Boost pads/ Jump platform</a:t>
+            </a:r>
+            <a:endParaRPr lang="en-GB" sz="1200" kern="1200" dirty="0" smtClean="0">
+              <a:solidFill>
+                <a:schemeClr val="tx1"/>
+              </a:solidFill>
+              <a:effectLst/>
+              <a:latin typeface="+mn-lt"/>
+              <a:ea typeface="+mn-ea"/>
+              <a:cs typeface="+mn-cs"/>
+            </a:endParaRPr>
+          </a:p>
+          <a:p>
+            <a:pPr lvl="0"/>
+            <a:r>
+              <a:rPr lang="nl-NL" sz="1200" kern="1200" dirty="0" smtClean="0">
+                <a:solidFill>
+                  <a:schemeClr val="tx1"/>
+                </a:solidFill>
+                <a:effectLst/>
+                <a:latin typeface="+mn-lt"/>
+                <a:ea typeface="+mn-ea"/>
+                <a:cs typeface="+mn-cs"/>
+              </a:rPr>
+              <a:t>Enemy Base class</a:t>
+            </a:r>
+            <a:endParaRPr lang="en-GB" sz="1200" kern="1200" dirty="0" smtClean="0">
+              <a:solidFill>
+                <a:schemeClr val="tx1"/>
+              </a:solidFill>
+              <a:effectLst/>
+              <a:latin typeface="+mn-lt"/>
+              <a:ea typeface="+mn-ea"/>
+              <a:cs typeface="+mn-cs"/>
+            </a:endParaRPr>
+          </a:p>
+          <a:p>
+            <a:pPr lvl="0"/>
+            <a:r>
+              <a:rPr lang="nl-NL" sz="1200" kern="1200" dirty="0" smtClean="0">
+                <a:solidFill>
+                  <a:schemeClr val="tx1"/>
+                </a:solidFill>
+                <a:effectLst/>
+                <a:latin typeface="+mn-lt"/>
+                <a:ea typeface="+mn-ea"/>
+                <a:cs typeface="+mn-cs"/>
+              </a:rPr>
+              <a:t>Enemy Spawn</a:t>
+            </a:r>
+            <a:endParaRPr lang="en-GB" sz="1200" kern="1200" dirty="0" smtClean="0">
+              <a:solidFill>
+                <a:schemeClr val="tx1"/>
+              </a:solidFill>
+              <a:effectLst/>
+              <a:latin typeface="+mn-lt"/>
+              <a:ea typeface="+mn-ea"/>
+              <a:cs typeface="+mn-cs"/>
+            </a:endParaRPr>
+          </a:p>
+          <a:p>
+            <a:pPr lvl="0"/>
+            <a:r>
+              <a:rPr lang="nl-NL" sz="1200" kern="1200" dirty="0" smtClean="0">
+                <a:solidFill>
+                  <a:schemeClr val="tx1"/>
+                </a:solidFill>
+                <a:effectLst/>
+                <a:latin typeface="+mn-lt"/>
+                <a:ea typeface="+mn-ea"/>
+                <a:cs typeface="+mn-cs"/>
+              </a:rPr>
+              <a:t>Enemy AI</a:t>
+            </a:r>
+            <a:endParaRPr lang="en-GB" sz="1200" kern="1200" dirty="0" smtClean="0">
+              <a:solidFill>
+                <a:schemeClr val="tx1"/>
+              </a:solidFill>
+              <a:effectLst/>
+              <a:latin typeface="+mn-lt"/>
+              <a:ea typeface="+mn-ea"/>
+              <a:cs typeface="+mn-cs"/>
+            </a:endParaRPr>
+          </a:p>
+          <a:p>
+            <a:pPr lvl="0"/>
+            <a:r>
+              <a:rPr lang="nl-NL" sz="1200" kern="1200" dirty="0" smtClean="0">
+                <a:solidFill>
+                  <a:schemeClr val="tx1"/>
+                </a:solidFill>
+                <a:effectLst/>
+                <a:latin typeface="+mn-lt"/>
+                <a:ea typeface="+mn-ea"/>
+                <a:cs typeface="+mn-cs"/>
+              </a:rPr>
+              <a:t>Enemy DropLoot</a:t>
+            </a:r>
+            <a:endParaRPr lang="en-GB" sz="1200" kern="1200" dirty="0" smtClean="0">
+              <a:solidFill>
+                <a:schemeClr val="tx1"/>
+              </a:solidFill>
+              <a:effectLst/>
+              <a:latin typeface="+mn-lt"/>
+              <a:ea typeface="+mn-ea"/>
+              <a:cs typeface="+mn-cs"/>
+            </a:endParaRPr>
+          </a:p>
+          <a:p>
+            <a:pPr lvl="0"/>
+            <a:r>
+              <a:rPr lang="nl-NL" sz="1200" kern="1200" dirty="0" smtClean="0">
+                <a:solidFill>
+                  <a:schemeClr val="tx1"/>
+                </a:solidFill>
+                <a:effectLst/>
+                <a:latin typeface="+mn-lt"/>
+                <a:ea typeface="+mn-ea"/>
+                <a:cs typeface="+mn-cs"/>
+              </a:rPr>
+              <a:t>Enemy Balancing</a:t>
+            </a:r>
+            <a:endParaRPr lang="en-GB" sz="1200" kern="1200" dirty="0" smtClean="0">
+              <a:solidFill>
+                <a:schemeClr val="tx1"/>
+              </a:solidFill>
+              <a:effectLst/>
+              <a:latin typeface="+mn-lt"/>
+              <a:ea typeface="+mn-ea"/>
+              <a:cs typeface="+mn-cs"/>
+            </a:endParaRPr>
+          </a:p>
+          <a:p>
+            <a:pPr lvl="0"/>
+            <a:r>
+              <a:rPr lang="nl-NL" sz="1200" kern="1200" dirty="0" smtClean="0">
+                <a:solidFill>
+                  <a:schemeClr val="tx1"/>
+                </a:solidFill>
+                <a:effectLst/>
+                <a:latin typeface="+mn-lt"/>
+                <a:ea typeface="+mn-ea"/>
+                <a:cs typeface="+mn-cs"/>
+              </a:rPr>
+              <a:t>Enemy Shooting</a:t>
+            </a:r>
+            <a:endParaRPr lang="en-GB" sz="1200" kern="1200" dirty="0" smtClean="0">
+              <a:solidFill>
+                <a:schemeClr val="tx1"/>
+              </a:solidFill>
+              <a:effectLst/>
+              <a:latin typeface="+mn-lt"/>
+              <a:ea typeface="+mn-ea"/>
+              <a:cs typeface="+mn-cs"/>
+            </a:endParaRPr>
+          </a:p>
+          <a:p>
+            <a:pPr lvl="0"/>
+            <a:r>
+              <a:rPr lang="nl-NL" sz="1200" kern="1200" dirty="0" smtClean="0">
+                <a:solidFill>
+                  <a:schemeClr val="tx1"/>
+                </a:solidFill>
+                <a:effectLst/>
+                <a:latin typeface="+mn-lt"/>
+                <a:ea typeface="+mn-ea"/>
+                <a:cs typeface="+mn-cs"/>
+              </a:rPr>
+              <a:t>Difficulty Lanterns</a:t>
+            </a:r>
+            <a:endParaRPr lang="en-GB" sz="1200" kern="1200" dirty="0" smtClean="0">
+              <a:solidFill>
+                <a:schemeClr val="tx1"/>
+              </a:solidFill>
+              <a:effectLst/>
+              <a:latin typeface="+mn-lt"/>
+              <a:ea typeface="+mn-ea"/>
+              <a:cs typeface="+mn-cs"/>
+            </a:endParaRPr>
+          </a:p>
+          <a:p>
+            <a:pPr lvl="0"/>
+            <a:r>
+              <a:rPr lang="nl-NL" sz="1200" kern="1200" dirty="0" smtClean="0">
+                <a:solidFill>
+                  <a:schemeClr val="tx1"/>
+                </a:solidFill>
+                <a:effectLst/>
+                <a:latin typeface="+mn-lt"/>
+                <a:ea typeface="+mn-ea"/>
+                <a:cs typeface="+mn-cs"/>
+              </a:rPr>
+              <a:t>Door Spawner</a:t>
+            </a:r>
+            <a:endParaRPr lang="en-GB" sz="1200" kern="1200" dirty="0" smtClean="0">
+              <a:solidFill>
+                <a:schemeClr val="tx1"/>
+              </a:solidFill>
+              <a:effectLst/>
+              <a:latin typeface="+mn-lt"/>
+              <a:ea typeface="+mn-ea"/>
+              <a:cs typeface="+mn-cs"/>
+            </a:endParaRPr>
+          </a:p>
+          <a:p>
+            <a:pPr lvl="0"/>
+            <a:r>
+              <a:rPr lang="nl-NL" sz="1200" kern="1200" dirty="0" smtClean="0">
+                <a:solidFill>
+                  <a:schemeClr val="tx1"/>
+                </a:solidFill>
+                <a:effectLst/>
+                <a:latin typeface="+mn-lt"/>
+                <a:ea typeface="+mn-ea"/>
+                <a:cs typeface="+mn-cs"/>
+              </a:rPr>
+              <a:t>Ammo Pickup</a:t>
+            </a:r>
+            <a:endParaRPr lang="en-GB" sz="1200" kern="1200" dirty="0" smtClean="0">
+              <a:solidFill>
+                <a:schemeClr val="tx1"/>
+              </a:solidFill>
+              <a:effectLst/>
+              <a:latin typeface="+mn-lt"/>
+              <a:ea typeface="+mn-ea"/>
+              <a:cs typeface="+mn-cs"/>
+            </a:endParaRPr>
+          </a:p>
+          <a:p>
+            <a:pPr lvl="0"/>
+            <a:r>
+              <a:rPr lang="nl-NL" sz="1200" kern="1200" dirty="0" smtClean="0">
+                <a:solidFill>
+                  <a:schemeClr val="tx1"/>
+                </a:solidFill>
+                <a:effectLst/>
+                <a:latin typeface="+mn-lt"/>
+                <a:ea typeface="+mn-ea"/>
+                <a:cs typeface="+mn-cs"/>
+              </a:rPr>
+              <a:t>Animations</a:t>
+            </a:r>
+            <a:endParaRPr lang="en-GB" sz="1200" kern="1200" dirty="0" smtClean="0">
+              <a:solidFill>
+                <a:schemeClr val="tx1"/>
+              </a:solidFill>
+              <a:effectLst/>
+              <a:latin typeface="+mn-lt"/>
+              <a:ea typeface="+mn-ea"/>
+              <a:cs typeface="+mn-cs"/>
+            </a:endParaRPr>
+          </a:p>
+          <a:p>
+            <a:pPr lvl="0"/>
+            <a:r>
+              <a:rPr lang="nl-NL" sz="1200" kern="1200" dirty="0" smtClean="0">
+                <a:solidFill>
+                  <a:schemeClr val="tx1"/>
+                </a:solidFill>
+                <a:effectLst/>
+                <a:latin typeface="+mn-lt"/>
+                <a:ea typeface="+mn-ea"/>
+                <a:cs typeface="+mn-cs"/>
+              </a:rPr>
+              <a:t>HUD</a:t>
+            </a:r>
+            <a:endParaRPr lang="en-GB" sz="1200" kern="1200" dirty="0" smtClean="0">
+              <a:solidFill>
+                <a:schemeClr val="tx1"/>
+              </a:solidFill>
+              <a:effectLst/>
+              <a:latin typeface="+mn-lt"/>
+              <a:ea typeface="+mn-ea"/>
+              <a:cs typeface="+mn-cs"/>
+            </a:endParaRPr>
+          </a:p>
+          <a:p>
+            <a:pPr lvl="0"/>
+            <a:r>
+              <a:rPr lang="nl-NL" sz="1200" kern="1200" dirty="0" smtClean="0">
+                <a:solidFill>
+                  <a:schemeClr val="tx1"/>
+                </a:solidFill>
+                <a:effectLst/>
+                <a:latin typeface="+mn-lt"/>
+                <a:ea typeface="+mn-ea"/>
+                <a:cs typeface="+mn-cs"/>
+              </a:rPr>
+              <a:t>GameManager</a:t>
+            </a:r>
+            <a:endParaRPr lang="en-GB" sz="1200" kern="1200" dirty="0" smtClean="0">
+              <a:solidFill>
+                <a:schemeClr val="tx1"/>
+              </a:solidFill>
+              <a:effectLst/>
+              <a:latin typeface="+mn-lt"/>
+              <a:ea typeface="+mn-ea"/>
+              <a:cs typeface="+mn-cs"/>
+            </a:endParaRPr>
+          </a:p>
+          <a:p>
+            <a:pPr lvl="0"/>
+            <a:r>
+              <a:rPr lang="nl-NL" sz="1200" kern="1200" dirty="0" smtClean="0">
+                <a:solidFill>
+                  <a:schemeClr val="tx1"/>
+                </a:solidFill>
+                <a:effectLst/>
+                <a:latin typeface="+mn-lt"/>
+                <a:ea typeface="+mn-ea"/>
+                <a:cs typeface="+mn-cs"/>
+              </a:rPr>
+              <a:t>Sound System</a:t>
+            </a:r>
+            <a:endParaRPr lang="en-GB" sz="1200" kern="1200" dirty="0" smtClean="0">
+              <a:solidFill>
+                <a:schemeClr val="tx1"/>
+              </a:solidFill>
+              <a:effectLst/>
+              <a:latin typeface="+mn-lt"/>
+              <a:ea typeface="+mn-ea"/>
+              <a:cs typeface="+mn-cs"/>
+            </a:endParaRPr>
+          </a:p>
+          <a:p>
+            <a:pPr lvl="0"/>
+            <a:r>
+              <a:rPr lang="nl-NL" sz="1200" kern="1200" dirty="0" smtClean="0">
+                <a:solidFill>
+                  <a:schemeClr val="tx1"/>
+                </a:solidFill>
+                <a:effectLst/>
+                <a:latin typeface="+mn-lt"/>
+                <a:ea typeface="+mn-ea"/>
+                <a:cs typeface="+mn-cs"/>
+              </a:rPr>
+              <a:t>Shop Functionaliteiten</a:t>
+            </a:r>
+            <a:endParaRPr lang="en-GB" sz="1200" kern="1200" dirty="0" smtClean="0">
+              <a:solidFill>
+                <a:schemeClr val="tx1"/>
+              </a:solidFill>
+              <a:effectLst/>
+              <a:latin typeface="+mn-lt"/>
+              <a:ea typeface="+mn-ea"/>
+              <a:cs typeface="+mn-cs"/>
+            </a:endParaRPr>
+          </a:p>
+          <a:p>
+            <a:pPr lvl="0"/>
+            <a:r>
+              <a:rPr lang="nl-NL" sz="1200" kern="1200" dirty="0" smtClean="0">
+                <a:solidFill>
+                  <a:schemeClr val="tx1"/>
+                </a:solidFill>
+                <a:effectLst/>
+                <a:latin typeface="+mn-lt"/>
+                <a:ea typeface="+mn-ea"/>
+                <a:cs typeface="+mn-cs"/>
+              </a:rPr>
+              <a:t>Tutorial Level</a:t>
+            </a:r>
+            <a:endParaRPr lang="en-GB" sz="1200" kern="1200" dirty="0" smtClean="0">
+              <a:solidFill>
+                <a:schemeClr val="tx1"/>
+              </a:solidFill>
+              <a:effectLst/>
+              <a:latin typeface="+mn-lt"/>
+              <a:ea typeface="+mn-ea"/>
+              <a:cs typeface="+mn-cs"/>
+            </a:endParaRPr>
+          </a:p>
+          <a:p>
+            <a:r>
+              <a:rPr lang="nl-NL" sz="1200" b="1" kern="1200" dirty="0" smtClean="0">
+                <a:solidFill>
+                  <a:schemeClr val="tx1"/>
+                </a:solidFill>
+                <a:effectLst/>
+                <a:latin typeface="+mn-lt"/>
+                <a:ea typeface="+mn-ea"/>
+                <a:cs typeface="+mn-cs"/>
+              </a:rPr>
+              <a:t>Uitleg AI systeem :</a:t>
+            </a:r>
+            <a:endParaRPr lang="en-GB" sz="1200" kern="1200" dirty="0" smtClean="0">
+              <a:solidFill>
+                <a:schemeClr val="tx1"/>
+              </a:solidFill>
+              <a:effectLst/>
+              <a:latin typeface="+mn-lt"/>
+              <a:ea typeface="+mn-ea"/>
+              <a:cs typeface="+mn-cs"/>
+            </a:endParaRPr>
+          </a:p>
+          <a:p>
+            <a:r>
+              <a:rPr lang="nl-NL" sz="1200" kern="1200" dirty="0" smtClean="0">
+                <a:solidFill>
+                  <a:schemeClr val="tx1"/>
+                </a:solidFill>
+                <a:effectLst/>
+                <a:latin typeface="+mn-lt"/>
+                <a:ea typeface="+mn-ea"/>
+                <a:cs typeface="+mn-cs"/>
+              </a:rPr>
+              <a:t>AI systeem moet nog geschreven worden. We gaan voor de AI de standaard unity NavMesh Gebruiken. Hetzelfde  geld voor de vliegende Enemies</a:t>
+            </a:r>
+            <a:endParaRPr lang="en-GB" sz="1200" kern="1200" dirty="0" smtClean="0">
+              <a:solidFill>
+                <a:schemeClr val="tx1"/>
+              </a:solidFill>
+              <a:effectLst/>
+              <a:latin typeface="+mn-lt"/>
+              <a:ea typeface="+mn-ea"/>
+              <a:cs typeface="+mn-cs"/>
+            </a:endParaRPr>
+          </a:p>
+          <a:p>
+            <a:r>
+              <a:rPr lang="nl-NL" sz="1200" kern="1200" dirty="0" smtClean="0">
+                <a:solidFill>
+                  <a:schemeClr val="tx1"/>
+                </a:solidFill>
+                <a:effectLst/>
+                <a:latin typeface="+mn-lt"/>
+                <a:ea typeface="+mn-ea"/>
+                <a:cs typeface="+mn-cs"/>
+              </a:rPr>
+              <a:t> </a:t>
+            </a:r>
+            <a:endParaRPr lang="en-GB" sz="1200" kern="1200" dirty="0" smtClean="0">
+              <a:solidFill>
+                <a:schemeClr val="tx1"/>
+              </a:solidFill>
+              <a:effectLst/>
+              <a:latin typeface="+mn-lt"/>
+              <a:ea typeface="+mn-ea"/>
+              <a:cs typeface="+mn-cs"/>
+            </a:endParaRPr>
+          </a:p>
+          <a:p>
+            <a:r>
+              <a:rPr lang="nl-NL" sz="1200" b="1" kern="1200" dirty="0" smtClean="0">
+                <a:solidFill>
+                  <a:schemeClr val="tx1"/>
+                </a:solidFill>
+                <a:effectLst/>
+                <a:latin typeface="+mn-lt"/>
+                <a:ea typeface="+mn-ea"/>
+                <a:cs typeface="+mn-cs"/>
+              </a:rPr>
+              <a:t>Uitleg Combat Systeem :</a:t>
+            </a:r>
+            <a:endParaRPr lang="en-GB" sz="1200" kern="1200" dirty="0" smtClean="0">
+              <a:solidFill>
+                <a:schemeClr val="tx1"/>
+              </a:solidFill>
+              <a:effectLst/>
+              <a:latin typeface="+mn-lt"/>
+              <a:ea typeface="+mn-ea"/>
+              <a:cs typeface="+mn-cs"/>
+            </a:endParaRPr>
+          </a:p>
+          <a:p>
+            <a:r>
+              <a:rPr lang="nl-NL" sz="1200" b="1" kern="1200" dirty="0" smtClean="0">
+                <a:solidFill>
+                  <a:schemeClr val="tx1"/>
+                </a:solidFill>
+                <a:effectLst/>
+                <a:latin typeface="+mn-lt"/>
+                <a:ea typeface="+mn-ea"/>
+                <a:cs typeface="+mn-cs"/>
+              </a:rPr>
+              <a:t>	</a:t>
+            </a:r>
+            <a:r>
+              <a:rPr lang="nl-NL" sz="1200" kern="1200" dirty="0" smtClean="0">
+                <a:solidFill>
+                  <a:schemeClr val="tx1"/>
+                </a:solidFill>
+                <a:effectLst/>
+                <a:latin typeface="+mn-lt"/>
+                <a:ea typeface="+mn-ea"/>
+                <a:cs typeface="+mn-cs"/>
+              </a:rPr>
+              <a:t>First Person Shooter</a:t>
+            </a:r>
+            <a:endParaRPr lang="en-GB" dirty="0"/>
+          </a:p>
+        </p:txBody>
+      </p:sp>
+      <p:sp>
+        <p:nvSpPr>
+          <p:cNvPr id="4" name="Slide Number Placeholder 3"/>
+          <p:cNvSpPr>
+            <a:spLocks noGrp="1"/>
+          </p:cNvSpPr>
+          <p:nvPr>
+            <p:ph type="sldNum" sz="quarter" idx="10"/>
+          </p:nvPr>
+        </p:nvSpPr>
+        <p:spPr/>
+        <p:txBody>
+          <a:bodyPr/>
+          <a:lstStyle/>
+          <a:p>
+            <a:fld id="{19F6E6E9-B407-4EE0-928E-00756260D081}" type="slidenum">
+              <a:rPr lang="en-GB" smtClean="0"/>
+              <a:t>9</a:t>
+            </a:fld>
+            <a:endParaRPr lang="en-GB"/>
+          </a:p>
+        </p:txBody>
+      </p:sp>
+    </p:spTree>
+    <p:extLst>
+      <p:ext uri="{BB962C8B-B14F-4D97-AF65-F5344CB8AC3E}">
+        <p14:creationId xmlns:p14="http://schemas.microsoft.com/office/powerpoint/2010/main" val="943170883"/>
+      </p:ext>
+    </p:extLst>
+  </p:cSld>
+  <p:clrMapOvr>
+    <a:masterClrMapping/>
+  </p:clrMapOvr>
+</p:notes>
+</file>
+
+<file path=ppt/notesSlides/notesSlide3.xml><?xml version="1.0" encoding="utf-8"?>
+<p:notes xmlns:a="http://schemas.openxmlformats.org/drawingml/2006/main" xmlns:r="http://schemas.openxmlformats.org/officeDocument/2006/relationships" xmlns:p="http://schemas.openxmlformats.org/presentationml/2006/main">
+  <p:cSld>
+    <p:spTree>
+      <p:nvGrpSpPr>
+        <p:cNvPr id="1" name=""/>
+        <p:cNvGrpSpPr/>
+        <p:nvPr/>
+      </p:nvGrpSpPr>
+      <p:grpSpPr>
+        <a:xfrm>
+          <a:off x="0" y="0"/>
+          <a:ext cx="0" cy="0"/>
+          <a:chOff x="0" y="0"/>
+          <a:chExt cx="0" cy="0"/>
+        </a:xfrm>
+      </p:grpSpPr>
+      <p:sp>
+        <p:nvSpPr>
+          <p:cNvPr id="2" name="Slide Image Placeholder 1"/>
+          <p:cNvSpPr>
+            <a:spLocks noGrp="1" noRot="1" noChangeAspect="1"/>
+          </p:cNvSpPr>
+          <p:nvPr>
+            <p:ph type="sldImg"/>
+          </p:nvPr>
+        </p:nvSpPr>
+        <p:spPr/>
+      </p:sp>
+      <p:sp>
+        <p:nvSpPr>
+          <p:cNvPr id="3" name="Notes Placeholder 2"/>
+          <p:cNvSpPr>
+            <a:spLocks noGrp="1"/>
+          </p:cNvSpPr>
+          <p:nvPr>
+            <p:ph type="body" idx="1"/>
+          </p:nvPr>
+        </p:nvSpPr>
+        <p:spPr/>
+        <p:txBody>
+          <a:bodyPr/>
+          <a:lstStyle/>
+          <a:p>
+            <a:endParaRPr lang="en-GB" dirty="0"/>
+          </a:p>
+        </p:txBody>
+      </p:sp>
+      <p:sp>
+        <p:nvSpPr>
+          <p:cNvPr id="4" name="Slide Number Placeholder 3"/>
+          <p:cNvSpPr>
+            <a:spLocks noGrp="1"/>
+          </p:cNvSpPr>
+          <p:nvPr>
+            <p:ph type="sldNum" sz="quarter" idx="10"/>
+          </p:nvPr>
+        </p:nvSpPr>
+        <p:spPr/>
+        <p:txBody>
+          <a:bodyPr/>
+          <a:lstStyle/>
+          <a:p>
+            <a:fld id="{19F6E6E9-B407-4EE0-928E-00756260D081}" type="slidenum">
+              <a:rPr lang="en-GB" smtClean="0"/>
+              <a:t>11</a:t>
+            </a:fld>
+            <a:endParaRPr lang="en-GB"/>
+          </a:p>
+        </p:txBody>
+      </p:sp>
+    </p:spTree>
+    <p:extLst>
+      <p:ext uri="{BB962C8B-B14F-4D97-AF65-F5344CB8AC3E}">
+        <p14:creationId xmlns:p14="http://schemas.microsoft.com/office/powerpoint/2010/main" val="306804124"/>
+      </p:ext>
+    </p:extLst>
+  </p:cSld>
+  <p:clrMapOvr>
+    <a:masterClrMapping/>
+  </p:clrMapOvr>
+</p:notes>
+</file>
+
 <file path=ppt/slideLayouts/slideLayout1.xml><?xml version="1.0" encoding="utf-8"?>
 <p:sldLayout xmlns:a="http://schemas.openxmlformats.org/drawingml/2006/main" xmlns:r="http://schemas.openxmlformats.org/officeDocument/2006/relationships" xmlns:p="http://schemas.openxmlformats.org/presentationml/2006/main" type="title" preserve="1">
   <p:cSld name="Title Slide">
@@ -226,7 +1833,7 @@
           <a:p>
             <a:fld id="{E7A54F7E-4BB5-4DA8-8E69-ED51C7184A1B}" type="datetimeFigureOut">
               <a:rPr lang="en-GB" smtClean="0"/>
-              <a:t>21/04/2016</a:t>
+              <a:t>25/04/2016</a:t>
             </a:fld>
             <a:endParaRPr lang="en-GB"/>
           </a:p>
@@ -452,7 +2059,7 @@
           <a:p>
             <a:fld id="{E7A54F7E-4BB5-4DA8-8E69-ED51C7184A1B}" type="datetimeFigureOut">
               <a:rPr lang="en-GB" smtClean="0"/>
-              <a:t>21/04/2016</a:t>
+              <a:t>25/04/2016</a:t>
             </a:fld>
             <a:endParaRPr lang="en-GB"/>
           </a:p>
@@ -627,7 +2234,7 @@
           <a:p>
             <a:fld id="{E7A54F7E-4BB5-4DA8-8E69-ED51C7184A1B}" type="datetimeFigureOut">
               <a:rPr lang="en-GB" smtClean="0"/>
-              <a:t>21/04/2016</a:t>
+              <a:t>25/04/2016</a:t>
             </a:fld>
             <a:endParaRPr lang="en-GB"/>
           </a:p>
@@ -792,7 +2399,7 @@
           <a:p>
             <a:fld id="{E7A54F7E-4BB5-4DA8-8E69-ED51C7184A1B}" type="datetimeFigureOut">
               <a:rPr lang="en-GB" smtClean="0"/>
-              <a:t>21/04/2016</a:t>
+              <a:t>25/04/2016</a:t>
             </a:fld>
             <a:endParaRPr lang="en-GB"/>
           </a:p>
@@ -1036,7 +2643,7 @@
           <a:p>
             <a:fld id="{E7A54F7E-4BB5-4DA8-8E69-ED51C7184A1B}" type="datetimeFigureOut">
               <a:rPr lang="en-GB" smtClean="0"/>
-              <a:t>21/04/2016</a:t>
+              <a:t>25/04/2016</a:t>
             </a:fld>
             <a:endParaRPr lang="en-GB"/>
           </a:p>
@@ -1300,7 +2907,7 @@
           <a:p>
             <a:fld id="{E7A54F7E-4BB5-4DA8-8E69-ED51C7184A1B}" type="datetimeFigureOut">
               <a:rPr lang="en-GB" smtClean="0"/>
-              <a:t>21/04/2016</a:t>
+              <a:t>25/04/2016</a:t>
             </a:fld>
             <a:endParaRPr lang="en-GB"/>
           </a:p>
@@ -1674,7 +3281,7 @@
           <a:p>
             <a:fld id="{E7A54F7E-4BB5-4DA8-8E69-ED51C7184A1B}" type="datetimeFigureOut">
               <a:rPr lang="en-GB" smtClean="0"/>
-              <a:t>21/04/2016</a:t>
+              <a:t>25/04/2016</a:t>
             </a:fld>
             <a:endParaRPr lang="en-GB"/>
           </a:p>
@@ -1787,7 +3394,7 @@
           <a:p>
             <a:fld id="{E7A54F7E-4BB5-4DA8-8E69-ED51C7184A1B}" type="datetimeFigureOut">
               <a:rPr lang="en-GB" smtClean="0"/>
-              <a:t>21/04/2016</a:t>
+              <a:t>25/04/2016</a:t>
             </a:fld>
             <a:endParaRPr lang="en-GB"/>
           </a:p>
@@ -1877,7 +3484,7 @@
           <a:p>
             <a:fld id="{E7A54F7E-4BB5-4DA8-8E69-ED51C7184A1B}" type="datetimeFigureOut">
               <a:rPr lang="en-GB" smtClean="0"/>
-              <a:t>21/04/2016</a:t>
+              <a:t>25/04/2016</a:t>
             </a:fld>
             <a:endParaRPr lang="en-GB"/>
           </a:p>
@@ -2135,7 +3742,7 @@
           <a:p>
             <a:fld id="{E7A54F7E-4BB5-4DA8-8E69-ED51C7184A1B}" type="datetimeFigureOut">
               <a:rPr lang="en-GB" smtClean="0"/>
-              <a:t>21/04/2016</a:t>
+              <a:t>25/04/2016</a:t>
             </a:fld>
             <a:endParaRPr lang="en-GB"/>
           </a:p>
@@ -2399,7 +4006,7 @@
           <a:p>
             <a:fld id="{E7A54F7E-4BB5-4DA8-8E69-ED51C7184A1B}" type="datetimeFigureOut">
               <a:rPr lang="en-GB" smtClean="0"/>
-              <a:t>21/04/2016</a:t>
+              <a:t>25/04/2016</a:t>
             </a:fld>
             <a:endParaRPr lang="en-GB"/>
           </a:p>
@@ -2616,7 +4223,7 @@
           <a:p>
             <a:fld id="{E7A54F7E-4BB5-4DA8-8E69-ED51C7184A1B}" type="datetimeFigureOut">
               <a:rPr lang="en-GB" smtClean="0"/>
-              <a:t>21/04/2016</a:t>
+              <a:t>25/04/2016</a:t>
             </a:fld>
             <a:endParaRPr lang="en-GB"/>
           </a:p>
@@ -3115,6 +4722,282 @@
   <p:clrMapOvr>
     <a:masterClrMapping/>
   </p:clrMapOvr>
+  <mc:AlternateContent xmlns:mc="http://schemas.openxmlformats.org/markup-compatibility/2006">
+    <mc:Choice xmlns:p14="http://schemas.microsoft.com/office/powerpoint/2010/main" Requires="p14">
+      <p:transition spd="slow" p14:dur="2000" advTm="1388"/>
+    </mc:Choice>
+    <mc:Fallback>
+      <p:transition spd="slow" advTm="1388"/>
+    </mc:Fallback>
+  </mc:AlternateContent>
+  <p:timing>
+    <p:tnLst>
+      <p:par>
+        <p:cTn id="1" dur="indefinite" restart="never" nodeType="tmRoot"/>
+      </p:par>
+    </p:tnLst>
+  </p:timing>
+</p:sld>
+</file>
+
+<file path=ppt/slides/slide10.xml><?xml version="1.0" encoding="utf-8"?>
+<p:sld xmlns:a="http://schemas.openxmlformats.org/drawingml/2006/main" xmlns:r="http://schemas.openxmlformats.org/officeDocument/2006/relationships" xmlns:p="http://schemas.openxmlformats.org/presentationml/2006/main">
+  <p:cSld>
+    <p:spTree>
+      <p:nvGrpSpPr>
+        <p:cNvPr id="1" name=""/>
+        <p:cNvGrpSpPr/>
+        <p:nvPr/>
+      </p:nvGrpSpPr>
+      <p:grpSpPr>
+        <a:xfrm>
+          <a:off x="0" y="0"/>
+          <a:ext cx="0" cy="0"/>
+          <a:chOff x="0" y="0"/>
+          <a:chExt cx="0" cy="0"/>
+        </a:xfrm>
+      </p:grpSpPr>
+      <p:sp>
+        <p:nvSpPr>
+          <p:cNvPr id="2" name="Title 1"/>
+          <p:cNvSpPr>
+            <a:spLocks noGrp="1"/>
+          </p:cNvSpPr>
+          <p:nvPr>
+            <p:ph type="title"/>
+          </p:nvPr>
+        </p:nvSpPr>
+        <p:spPr/>
+        <p:txBody>
+          <a:bodyPr/>
+          <a:lstStyle/>
+          <a:p>
+            <a:r>
+              <a:rPr lang="en-US" dirty="0" smtClean="0"/>
+              <a:t>Development</a:t>
+            </a:r>
+            <a:endParaRPr lang="en-GB" dirty="0"/>
+          </a:p>
+        </p:txBody>
+      </p:sp>
+      <p:sp>
+        <p:nvSpPr>
+          <p:cNvPr id="3" name="Content Placeholder 2"/>
+          <p:cNvSpPr>
+            <a:spLocks noGrp="1"/>
+          </p:cNvSpPr>
+          <p:nvPr>
+            <p:ph idx="1"/>
+          </p:nvPr>
+        </p:nvSpPr>
+        <p:spPr/>
+        <p:txBody>
+          <a:bodyPr/>
+          <a:lstStyle/>
+          <a:p>
+            <a:endParaRPr lang="en-GB"/>
+          </a:p>
+        </p:txBody>
+      </p:sp>
+    </p:spTree>
+    <p:extLst>
+      <p:ext uri="{BB962C8B-B14F-4D97-AF65-F5344CB8AC3E}">
+        <p14:creationId xmlns:p14="http://schemas.microsoft.com/office/powerpoint/2010/main" val="9111756"/>
+      </p:ext>
+    </p:extLst>
+  </p:cSld>
+  <p:clrMapOvr>
+    <a:masterClrMapping/>
+  </p:clrMapOvr>
+  <p:timing>
+    <p:tnLst>
+      <p:par>
+        <p:cTn id="1" dur="indefinite" restart="never" nodeType="tmRoot"/>
+      </p:par>
+    </p:tnLst>
+  </p:timing>
+</p:sld>
+</file>
+
+<file path=ppt/slides/slide11.xml><?xml version="1.0" encoding="utf-8"?>
+<p:sld xmlns:a="http://schemas.openxmlformats.org/drawingml/2006/main" xmlns:r="http://schemas.openxmlformats.org/officeDocument/2006/relationships" xmlns:p="http://schemas.openxmlformats.org/presentationml/2006/main">
+  <p:cSld>
+    <p:spTree>
+      <p:nvGrpSpPr>
+        <p:cNvPr id="1" name=""/>
+        <p:cNvGrpSpPr/>
+        <p:nvPr/>
+      </p:nvGrpSpPr>
+      <p:grpSpPr>
+        <a:xfrm>
+          <a:off x="0" y="0"/>
+          <a:ext cx="0" cy="0"/>
+          <a:chOff x="0" y="0"/>
+          <a:chExt cx="0" cy="0"/>
+        </a:xfrm>
+      </p:grpSpPr>
+      <p:sp>
+        <p:nvSpPr>
+          <p:cNvPr id="2" name="Title 1"/>
+          <p:cNvSpPr>
+            <a:spLocks noGrp="1"/>
+          </p:cNvSpPr>
+          <p:nvPr>
+            <p:ph type="title"/>
+          </p:nvPr>
+        </p:nvSpPr>
+        <p:spPr/>
+        <p:txBody>
+          <a:bodyPr/>
+          <a:lstStyle/>
+          <a:p>
+            <a:r>
+              <a:rPr lang="en-US" dirty="0" smtClean="0"/>
+              <a:t>UX</a:t>
+            </a:r>
+            <a:endParaRPr lang="en-GB" dirty="0"/>
+          </a:p>
+        </p:txBody>
+      </p:sp>
+      <p:sp>
+        <p:nvSpPr>
+          <p:cNvPr id="3" name="Content Placeholder 2"/>
+          <p:cNvSpPr>
+            <a:spLocks noGrp="1"/>
+          </p:cNvSpPr>
+          <p:nvPr>
+            <p:ph idx="1"/>
+          </p:nvPr>
+        </p:nvSpPr>
+        <p:spPr/>
+        <p:txBody>
+          <a:bodyPr/>
+          <a:lstStyle/>
+          <a:p>
+            <a:r>
+              <a:rPr lang="en-US" dirty="0" smtClean="0"/>
+              <a:t>Elke run is </a:t>
+            </a:r>
+            <a:r>
+              <a:rPr lang="en-US" dirty="0" err="1" smtClean="0"/>
+              <a:t>uniek</a:t>
+            </a:r>
+            <a:endParaRPr lang="en-US" dirty="0" smtClean="0"/>
+          </a:p>
+          <a:p>
+            <a:r>
+              <a:rPr lang="en-US" dirty="0" err="1" smtClean="0"/>
+              <a:t>Wapens</a:t>
+            </a:r>
+            <a:r>
+              <a:rPr lang="en-US" dirty="0" smtClean="0"/>
+              <a:t> </a:t>
+            </a:r>
+            <a:r>
+              <a:rPr lang="en-US" dirty="0" err="1" smtClean="0"/>
+              <a:t>makkelijk</a:t>
+            </a:r>
+            <a:r>
+              <a:rPr lang="en-US" dirty="0" smtClean="0"/>
+              <a:t> </a:t>
+            </a:r>
+            <a:r>
+              <a:rPr lang="en-US" dirty="0" err="1" smtClean="0"/>
+              <a:t>aanpasbaar</a:t>
+            </a:r>
+            <a:endParaRPr lang="en-GB" dirty="0"/>
+          </a:p>
+        </p:txBody>
+      </p:sp>
+    </p:spTree>
+    <p:extLst>
+      <p:ext uri="{BB962C8B-B14F-4D97-AF65-F5344CB8AC3E}">
+        <p14:creationId xmlns:p14="http://schemas.microsoft.com/office/powerpoint/2010/main" val="1696609983"/>
+      </p:ext>
+    </p:extLst>
+  </p:cSld>
+  <p:clrMapOvr>
+    <a:masterClrMapping/>
+  </p:clrMapOvr>
+  <p:timing>
+    <p:tnLst>
+      <p:par>
+        <p:cTn id="1" dur="indefinite" restart="never" nodeType="tmRoot"/>
+      </p:par>
+    </p:tnLst>
+  </p:timing>
+</p:sld>
+</file>
+
+<file path=ppt/slides/slide12.xml><?xml version="1.0" encoding="utf-8"?>
+<p:sld xmlns:a="http://schemas.openxmlformats.org/drawingml/2006/main" xmlns:r="http://schemas.openxmlformats.org/officeDocument/2006/relationships" xmlns:p="http://schemas.openxmlformats.org/presentationml/2006/main">
+  <p:cSld>
+    <p:spTree>
+      <p:nvGrpSpPr>
+        <p:cNvPr id="1" name=""/>
+        <p:cNvGrpSpPr/>
+        <p:nvPr/>
+      </p:nvGrpSpPr>
+      <p:grpSpPr>
+        <a:xfrm>
+          <a:off x="0" y="0"/>
+          <a:ext cx="0" cy="0"/>
+          <a:chOff x="0" y="0"/>
+          <a:chExt cx="0" cy="0"/>
+        </a:xfrm>
+      </p:grpSpPr>
+      <p:sp>
+        <p:nvSpPr>
+          <p:cNvPr id="2" name="Title 1"/>
+          <p:cNvSpPr>
+            <a:spLocks noGrp="1"/>
+          </p:cNvSpPr>
+          <p:nvPr>
+            <p:ph type="title"/>
+          </p:nvPr>
+        </p:nvSpPr>
+        <p:spPr/>
+        <p:txBody>
+          <a:bodyPr/>
+          <a:lstStyle/>
+          <a:p>
+            <a:r>
+              <a:rPr lang="en-US" dirty="0" smtClean="0"/>
+              <a:t>Levels</a:t>
+            </a:r>
+            <a:endParaRPr lang="en-GB" dirty="0"/>
+          </a:p>
+        </p:txBody>
+      </p:sp>
+      <p:sp>
+        <p:nvSpPr>
+          <p:cNvPr id="3" name="Content Placeholder 2"/>
+          <p:cNvSpPr>
+            <a:spLocks noGrp="1"/>
+          </p:cNvSpPr>
+          <p:nvPr>
+            <p:ph idx="1"/>
+          </p:nvPr>
+        </p:nvSpPr>
+        <p:spPr/>
+        <p:txBody>
+          <a:bodyPr/>
+          <a:lstStyle/>
+          <a:p>
+            <a:endParaRPr lang="en-GB"/>
+          </a:p>
+        </p:txBody>
+      </p:sp>
+    </p:spTree>
+    <p:extLst>
+      <p:ext uri="{BB962C8B-B14F-4D97-AF65-F5344CB8AC3E}">
+        <p14:creationId xmlns:p14="http://schemas.microsoft.com/office/powerpoint/2010/main" val="2826688074"/>
+      </p:ext>
+    </p:extLst>
+  </p:cSld>
+  <p:clrMapOvr>
+    <a:masterClrMapping/>
+  </p:clrMapOvr>
   <p:timing>
     <p:tnLst>
       <p:par>
@@ -3240,6 +5123,14 @@
   <p:clrMapOvr>
     <a:masterClrMapping/>
   </p:clrMapOvr>
+  <mc:AlternateContent xmlns:mc="http://schemas.openxmlformats.org/markup-compatibility/2006">
+    <mc:Choice xmlns:p14="http://schemas.microsoft.com/office/powerpoint/2010/main" Requires="p14">
+      <p:transition spd="slow" p14:dur="2000" advTm="1462"/>
+    </mc:Choice>
+    <mc:Fallback>
+      <p:transition spd="slow" advTm="1462"/>
+    </mc:Fallback>
+  </mc:AlternateContent>
   <p:timing>
     <p:tnLst>
       <p:par>
@@ -3342,6 +5233,17 @@
             <a:r>
               <a:rPr lang="en-US" dirty="0" err="1" smtClean="0"/>
               <a:t>bespreken</a:t>
+            </a:r>
+            <a:endParaRPr lang="en-US" dirty="0" smtClean="0"/>
+          </a:p>
+          <a:p>
+            <a:r>
+              <a:rPr lang="en-US" dirty="0" err="1" smtClean="0"/>
+              <a:t>Goede</a:t>
+            </a:r>
+            <a:r>
+              <a:rPr lang="en-US" dirty="0" smtClean="0"/>
+              <a:t> scrums</a:t>
             </a:r>
             <a:endParaRPr lang="en-US" dirty="0" smtClean="0"/>
           </a:p>
@@ -3399,7 +5301,9 @@
         </p:nvSpPr>
         <p:spPr/>
         <p:txBody>
-          <a:bodyPr/>
+          <a:bodyPr>
+            <a:normAutofit/>
+          </a:bodyPr>
           <a:lstStyle/>
           <a:p>
             <a:r>
@@ -3432,7 +5336,7 @@
     </p:spTree>
     <p:extLst>
       <p:ext uri="{BB962C8B-B14F-4D97-AF65-F5344CB8AC3E}">
-        <p14:creationId xmlns:p14="http://schemas.microsoft.com/office/powerpoint/2010/main" val="3866340995"/>
+        <p14:creationId xmlns:p14="http://schemas.microsoft.com/office/powerpoint/2010/main" val="63649641"/>
       </p:ext>
     </p:extLst>
   </p:cSld>
@@ -3478,42 +5382,50 @@
         </p:nvSpPr>
         <p:spPr/>
         <p:txBody>
-          <a:bodyPr>
-            <a:normAutofit/>
-          </a:bodyPr>
+          <a:bodyPr/>
           <a:lstStyle/>
           <a:p>
             <a:r>
               <a:rPr lang="en-US" dirty="0" smtClean="0"/>
-              <a:t>Art</a:t>
+              <a:t>Planning</a:t>
             </a:r>
             <a:endParaRPr lang="en-GB" dirty="0"/>
           </a:p>
         </p:txBody>
       </p:sp>
-      <p:sp>
-        <p:nvSpPr>
-          <p:cNvPr id="3" name="Content Placeholder 2"/>
-          <p:cNvSpPr>
-            <a:spLocks noGrp="1"/>
-          </p:cNvSpPr>
+      <p:pic>
+        <p:nvPicPr>
+          <p:cNvPr id="4" name="Content Placeholder 3"/>
+          <p:cNvPicPr>
+            <a:picLocks noGrp="1" noChangeAspect="1"/>
+          </p:cNvPicPr>
           <p:nvPr>
             <p:ph idx="1"/>
           </p:nvPr>
-        </p:nvSpPr>
-        <p:spPr/>
-        <p:txBody>
-          <a:bodyPr/>
-          <a:lstStyle/>
-          <a:p>
-            <a:endParaRPr lang="en-GB"/>
-          </a:p>
-        </p:txBody>
-      </p:sp>
+        </p:nvPicPr>
+        <p:blipFill>
+          <a:blip r:embed="rId2">
+            <a:extLst>
+              <a:ext uri="{28A0092B-C50C-407E-A947-70E740481C1C}">
+                <a14:useLocalDpi xmlns:a14="http://schemas.microsoft.com/office/drawing/2010/main" val="0"/>
+              </a:ext>
+            </a:extLst>
+          </a:blip>
+          <a:stretch>
+            <a:fillRect/>
+          </a:stretch>
+        </p:blipFill>
+        <p:spPr>
+          <a:xfrm>
+            <a:off x="179512" y="1679527"/>
+            <a:ext cx="8784976" cy="4549872"/>
+          </a:xfrm>
+        </p:spPr>
+      </p:pic>
     </p:spTree>
     <p:extLst>
       <p:ext uri="{BB962C8B-B14F-4D97-AF65-F5344CB8AC3E}">
-        <p14:creationId xmlns:p14="http://schemas.microsoft.com/office/powerpoint/2010/main" val="848772118"/>
+        <p14:creationId xmlns:p14="http://schemas.microsoft.com/office/powerpoint/2010/main" val="3866340995"/>
       </p:ext>
     </p:extLst>
   </p:cSld>
@@ -3564,7 +5476,7 @@
           <a:p>
             <a:r>
               <a:rPr lang="en-US" dirty="0" smtClean="0"/>
-              <a:t>Development</a:t>
+              <a:t>Art</a:t>
             </a:r>
             <a:endParaRPr lang="en-GB" dirty="0"/>
           </a:p>
@@ -3585,20 +5497,150 @@
           <a:bodyPr/>
           <a:lstStyle/>
           <a:p>
-            <a:endParaRPr lang="en-GB"/>
-          </a:p>
-        </p:txBody>
-      </p:sp>
+            <a:endParaRPr lang="en-GB" dirty="0"/>
+          </a:p>
+        </p:txBody>
+      </p:sp>
+      <p:pic>
+        <p:nvPicPr>
+          <p:cNvPr id="2051" name="Picture 3" descr="C:\Users\Dania\Documents\Deltion\Jaar 2\Gamelab2\Gamelab2\Presentatie\artist stuff presentatie\powerfirst.PNG"/>
+          <p:cNvPicPr>
+            <a:picLocks noChangeAspect="1" noChangeArrowheads="1"/>
+          </p:cNvPicPr>
+          <p:nvPr/>
+        </p:nvPicPr>
+        <p:blipFill>
+          <a:blip r:embed="rId2">
+            <a:extLst>
+              <a:ext uri="{28A0092B-C50C-407E-A947-70E740481C1C}">
+                <a14:useLocalDpi xmlns:a14="http://schemas.microsoft.com/office/drawing/2010/main" val="0"/>
+              </a:ext>
+            </a:extLst>
+          </a:blip>
+          <a:srcRect/>
+          <a:stretch>
+            <a:fillRect/>
+          </a:stretch>
+        </p:blipFill>
+        <p:spPr bwMode="auto">
+          <a:xfrm>
+            <a:off x="395536" y="1556630"/>
+            <a:ext cx="3505762" cy="2621116"/>
+          </a:xfrm>
+          <a:prstGeom prst="rect">
+            <a:avLst/>
+          </a:prstGeom>
+          <a:noFill/>
+          <a:extLst>
+            <a:ext uri="{909E8E84-426E-40DD-AFC4-6F175D3DCCD1}">
+              <a14:hiddenFill xmlns:a14="http://schemas.microsoft.com/office/drawing/2010/main">
+                <a:solidFill>
+                  <a:srgbClr val="FFFFFF"/>
+                </a:solidFill>
+              </a14:hiddenFill>
+            </a:ext>
+          </a:extLst>
+        </p:spPr>
+      </p:pic>
+      <p:pic>
+        <p:nvPicPr>
+          <p:cNvPr id="2052" name="Picture 4" descr="C:\Users\Dania\Documents\Deltion\Jaar 2\Gamelab2\Gamelab2\Presentatie\artist stuff presentatie\powerfist 2.PNG"/>
+          <p:cNvPicPr>
+            <a:picLocks noChangeAspect="1" noChangeArrowheads="1"/>
+          </p:cNvPicPr>
+          <p:nvPr/>
+        </p:nvPicPr>
+        <p:blipFill>
+          <a:blip r:embed="rId3">
+            <a:extLst>
+              <a:ext uri="{28A0092B-C50C-407E-A947-70E740481C1C}">
+                <a14:useLocalDpi xmlns:a14="http://schemas.microsoft.com/office/drawing/2010/main" val="0"/>
+              </a:ext>
+            </a:extLst>
+          </a:blip>
+          <a:srcRect/>
+          <a:stretch>
+            <a:fillRect/>
+          </a:stretch>
+        </p:blipFill>
+        <p:spPr bwMode="auto">
+          <a:xfrm>
+            <a:off x="5220072" y="1556630"/>
+            <a:ext cx="3419908" cy="2621116"/>
+          </a:xfrm>
+          <a:prstGeom prst="rect">
+            <a:avLst/>
+          </a:prstGeom>
+          <a:noFill/>
+          <a:extLst>
+            <a:ext uri="{909E8E84-426E-40DD-AFC4-6F175D3DCCD1}">
+              <a14:hiddenFill xmlns:a14="http://schemas.microsoft.com/office/drawing/2010/main">
+                <a:solidFill>
+                  <a:srgbClr val="FFFFFF"/>
+                </a:solidFill>
+              </a14:hiddenFill>
+            </a:ext>
+          </a:extLst>
+        </p:spPr>
+      </p:pic>
+      <p:pic>
+        <p:nvPicPr>
+          <p:cNvPr id="2050" name="Picture 2" descr="C:\Users\Dania\Documents\Deltion\Jaar 2\Gamelab2\Gamelab2\Presentatie\artist stuff presentatie\mainChar screenshot.PNG"/>
+          <p:cNvPicPr>
+            <a:picLocks noChangeAspect="1" noChangeArrowheads="1"/>
+          </p:cNvPicPr>
+          <p:nvPr/>
+        </p:nvPicPr>
+        <p:blipFill>
+          <a:blip r:embed="rId4">
+            <a:extLst>
+              <a:ext uri="{28A0092B-C50C-407E-A947-70E740481C1C}">
+                <a14:useLocalDpi xmlns:a14="http://schemas.microsoft.com/office/drawing/2010/main" val="0"/>
+              </a:ext>
+            </a:extLst>
+          </a:blip>
+          <a:srcRect/>
+          <a:stretch>
+            <a:fillRect/>
+          </a:stretch>
+        </p:blipFill>
+        <p:spPr bwMode="auto">
+          <a:xfrm>
+            <a:off x="2411760" y="3741312"/>
+            <a:ext cx="4172406" cy="2621116"/>
+          </a:xfrm>
+          <a:prstGeom prst="rect">
+            <a:avLst/>
+          </a:prstGeom>
+          <a:noFill/>
+          <a:extLst>
+            <a:ext uri="{909E8E84-426E-40DD-AFC4-6F175D3DCCD1}">
+              <a14:hiddenFill xmlns:a14="http://schemas.microsoft.com/office/drawing/2010/main">
+                <a:solidFill>
+                  <a:srgbClr val="FFFFFF"/>
+                </a:solidFill>
+              </a14:hiddenFill>
+            </a:ext>
+          </a:extLst>
+        </p:spPr>
+      </p:pic>
     </p:spTree>
     <p:extLst>
       <p:ext uri="{BB962C8B-B14F-4D97-AF65-F5344CB8AC3E}">
-        <p14:creationId xmlns:p14="http://schemas.microsoft.com/office/powerpoint/2010/main" val="1098497208"/>
+        <p14:creationId xmlns:p14="http://schemas.microsoft.com/office/powerpoint/2010/main" val="585457033"/>
       </p:ext>
     </p:extLst>
   </p:cSld>
   <p:clrMapOvr>
     <a:masterClrMapping/>
   </p:clrMapOvr>
+  <p:timing>
+    <p:tnLst>
+      <p:par>
+        <p:cTn id="1" dur="indefinite" restart="never" nodeType="tmRoot"/>
+      </p:par>
+    </p:tnLst>
+  </p:timing>
 </p:sld>
 </file>
 
@@ -3631,12 +5673,14 @@
         </p:nvSpPr>
         <p:spPr/>
         <p:txBody>
-          <a:bodyPr/>
+          <a:bodyPr>
+            <a:normAutofit/>
+          </a:bodyPr>
           <a:lstStyle/>
           <a:p>
             <a:r>
               <a:rPr lang="en-US" dirty="0" smtClean="0"/>
-              <a:t>UX</a:t>
+              <a:t>Art</a:t>
             </a:r>
             <a:endParaRPr lang="en-GB" dirty="0"/>
           </a:p>
@@ -3657,14 +5701,137 @@
           <a:bodyPr/>
           <a:lstStyle/>
           <a:p>
-            <a:endParaRPr lang="en-GB"/>
-          </a:p>
-        </p:txBody>
-      </p:sp>
+            <a:endParaRPr lang="en-GB" dirty="0"/>
+          </a:p>
+        </p:txBody>
+      </p:sp>
+      <p:pic>
+        <p:nvPicPr>
+          <p:cNvPr id="1026" name="Picture 2" descr="C:\Users\Dania\Documents\Deltion\Jaar 2\Gamelab2\Gamelab2\Presentatie\artist stuff presentatie\championMummyPresentatie.png"/>
+          <p:cNvPicPr>
+            <a:picLocks noChangeAspect="1" noChangeArrowheads="1"/>
+          </p:cNvPicPr>
+          <p:nvPr/>
+        </p:nvPicPr>
+        <p:blipFill>
+          <a:blip r:embed="rId2" cstate="print">
+            <a:extLst>
+              <a:ext uri="{28A0092B-C50C-407E-A947-70E740481C1C}">
+                <a14:useLocalDpi xmlns:a14="http://schemas.microsoft.com/office/drawing/2010/main" val="0"/>
+              </a:ext>
+            </a:extLst>
+          </a:blip>
+          <a:srcRect/>
+          <a:stretch>
+            <a:fillRect/>
+          </a:stretch>
+        </p:blipFill>
+        <p:spPr bwMode="auto">
+          <a:xfrm>
+            <a:off x="778272" y="1412776"/>
+            <a:ext cx="2929632" cy="2929632"/>
+          </a:xfrm>
+          <a:prstGeom prst="rect">
+            <a:avLst/>
+          </a:prstGeom>
+          <a:noFill/>
+          <a:extLst>
+            <a:ext uri="{909E8E84-426E-40DD-AFC4-6F175D3DCCD1}">
+              <a14:hiddenFill xmlns:a14="http://schemas.microsoft.com/office/drawing/2010/main">
+                <a:solidFill>
+                  <a:srgbClr val="FFFFFF"/>
+                </a:solidFill>
+              </a14:hiddenFill>
+            </a:ext>
+          </a:extLst>
+        </p:spPr>
+      </p:pic>
+      <p:pic>
+        <p:nvPicPr>
+          <p:cNvPr id="1027" name="Picture 3" descr="C:\Users\Dania\Documents\Deltion\Jaar 2\Gamelab2\Gamelab2\Presentatie\artist stuff presentatie\MummyPresentatie.png"/>
+          <p:cNvPicPr>
+            <a:picLocks noChangeAspect="1" noChangeArrowheads="1"/>
+          </p:cNvPicPr>
+          <p:nvPr/>
+        </p:nvPicPr>
+        <p:blipFill>
+          <a:blip r:embed="rId3" cstate="print">
+            <a:extLst>
+              <a:ext uri="{28A0092B-C50C-407E-A947-70E740481C1C}">
+                <a14:useLocalDpi xmlns:a14="http://schemas.microsoft.com/office/drawing/2010/main" val="0"/>
+              </a:ext>
+            </a:extLst>
+          </a:blip>
+          <a:srcRect/>
+          <a:stretch>
+            <a:fillRect/>
+          </a:stretch>
+        </p:blipFill>
+        <p:spPr bwMode="auto">
+          <a:xfrm>
+            <a:off x="5494288" y="1412776"/>
+            <a:ext cx="2929632" cy="2929632"/>
+          </a:xfrm>
+          <a:prstGeom prst="rect">
+            <a:avLst/>
+          </a:prstGeom>
+          <a:noFill/>
+          <a:extLst>
+            <a:ext uri="{909E8E84-426E-40DD-AFC4-6F175D3DCCD1}">
+              <a14:hiddenFill xmlns:a14="http://schemas.microsoft.com/office/drawing/2010/main">
+                <a:solidFill>
+                  <a:srgbClr val="FFFFFF"/>
+                </a:solidFill>
+              </a14:hiddenFill>
+            </a:ext>
+          </a:extLst>
+        </p:spPr>
+      </p:pic>
+      <p:pic>
+        <p:nvPicPr>
+          <p:cNvPr id="1028" name="Picture 4" descr="C:\Users\Dania\Documents\Deltion\Jaar 2\Gamelab2\Gamelab2\Presentatie\artist stuff presentatie\screenshotMummy.PNG"/>
+          <p:cNvPicPr>
+            <a:picLocks noChangeAspect="1" noChangeArrowheads="1"/>
+          </p:cNvPicPr>
+          <p:nvPr/>
+        </p:nvPicPr>
+        <p:blipFill>
+          <a:blip r:embed="rId4">
+            <a:extLst>
+              <a:ext uri="{28A0092B-C50C-407E-A947-70E740481C1C}">
+                <a14:useLocalDpi xmlns:a14="http://schemas.microsoft.com/office/drawing/2010/main" val="0"/>
+              </a:ext>
+            </a:extLst>
+          </a:blip>
+          <a:srcRect/>
+          <a:stretch>
+            <a:fillRect/>
+          </a:stretch>
+        </p:blipFill>
+        <p:spPr bwMode="auto">
+          <a:xfrm>
+            <a:off x="2836243" y="3970734"/>
+            <a:ext cx="3391942" cy="2558258"/>
+          </a:xfrm>
+          <a:prstGeom prst="rect">
+            <a:avLst/>
+          </a:prstGeom>
+          <a:noFill/>
+          <a:extLst>
+            <a:ext uri="{909E8E84-426E-40DD-AFC4-6F175D3DCCD1}">
+              <a14:hiddenFill xmlns:a14="http://schemas.microsoft.com/office/drawing/2010/main">
+                <a:solidFill>
+                  <a:srgbClr val="FFFFFF"/>
+                </a:solidFill>
+              </a14:hiddenFill>
+            </a:ext>
+          </a:extLst>
+        </p:spPr>
+      </p:pic>
     </p:spTree>
     <p:extLst>
       <p:ext uri="{BB962C8B-B14F-4D97-AF65-F5344CB8AC3E}">
-        <p14:creationId xmlns:p14="http://schemas.microsoft.com/office/powerpoint/2010/main" val="1696609983"/>
+        <p14:creationId xmlns:p14="http://schemas.microsoft.com/office/powerpoint/2010/main" val="848772118"/>
       </p:ext>
     </p:extLst>
   </p:cSld>
@@ -3710,12 +5877,14 @@
         </p:nvSpPr>
         <p:spPr/>
         <p:txBody>
-          <a:bodyPr/>
+          <a:bodyPr>
+            <a:normAutofit/>
+          </a:bodyPr>
           <a:lstStyle/>
           <a:p>
             <a:r>
               <a:rPr lang="en-US" dirty="0" smtClean="0"/>
-              <a:t>Levels</a:t>
+              <a:t>Art</a:t>
             </a:r>
             <a:endParaRPr lang="en-GB" dirty="0"/>
           </a:p>
@@ -3736,20 +5905,107 @@
           <a:bodyPr/>
           <a:lstStyle/>
           <a:p>
-            <a:endParaRPr lang="en-GB"/>
-          </a:p>
-        </p:txBody>
-      </p:sp>
+            <a:endParaRPr lang="en-GB" dirty="0"/>
+          </a:p>
+        </p:txBody>
+      </p:sp>
+      <p:pic>
+        <p:nvPicPr>
+          <p:cNvPr id="4098" name="Picture 2" descr="C:\Users\Dania\Downloads\Mushrooms screen.png"/>
+          <p:cNvPicPr>
+            <a:picLocks noChangeAspect="1" noChangeArrowheads="1"/>
+          </p:cNvPicPr>
+          <p:nvPr/>
+        </p:nvPicPr>
+        <p:blipFill rotWithShape="1">
+          <a:blip r:embed="rId3">
+            <a:extLst>
+              <a:ext uri="{28A0092B-C50C-407E-A947-70E740481C1C}">
+                <a14:useLocalDpi xmlns:a14="http://schemas.microsoft.com/office/drawing/2010/main" val="0"/>
+              </a:ext>
+            </a:extLst>
+          </a:blip>
+          <a:srcRect l="15600" r="9536"/>
+          <a:stretch/>
+        </p:blipFill>
+        <p:spPr bwMode="auto">
+          <a:xfrm>
+            <a:off x="3505944" y="1253139"/>
+            <a:ext cx="5067300" cy="2953729"/>
+          </a:xfrm>
+          <a:prstGeom prst="rect">
+            <a:avLst/>
+          </a:prstGeom>
+          <a:noFill/>
+          <a:extLst>
+            <a:ext uri="{909E8E84-426E-40DD-AFC4-6F175D3DCCD1}">
+              <a14:hiddenFill xmlns:a14="http://schemas.microsoft.com/office/drawing/2010/main">
+                <a:solidFill>
+                  <a:srgbClr val="FFFFFF"/>
+                </a:solidFill>
+              </a14:hiddenFill>
+            </a:ext>
+          </a:extLst>
+        </p:spPr>
+      </p:pic>
+      <p:pic>
+        <p:nvPicPr>
+          <p:cNvPr id="4099" name="Picture 3" descr="C:\Users\Dania\Documents\Deltion\Jaar 2\Gamelab2\Gamelab2\Presentatie\artist stuff presentatie\MushroomTexture.png"/>
+          <p:cNvPicPr>
+            <a:picLocks noChangeAspect="1" noChangeArrowheads="1"/>
+          </p:cNvPicPr>
+          <p:nvPr/>
+        </p:nvPicPr>
+        <p:blipFill>
+          <a:blip r:embed="rId4" cstate="print">
+            <a:extLst>
+              <a:ext uri="{28A0092B-C50C-407E-A947-70E740481C1C}">
+                <a14:useLocalDpi xmlns:a14="http://schemas.microsoft.com/office/drawing/2010/main" val="0"/>
+              </a:ext>
+            </a:extLst>
+          </a:blip>
+          <a:srcRect/>
+          <a:stretch>
+            <a:fillRect/>
+          </a:stretch>
+        </p:blipFill>
+        <p:spPr bwMode="auto">
+          <a:xfrm>
+            <a:off x="539552" y="3212976"/>
+            <a:ext cx="3334048" cy="3334048"/>
+          </a:xfrm>
+          <a:prstGeom prst="rect">
+            <a:avLst/>
+          </a:prstGeom>
+          <a:noFill/>
+          <a:extLst>
+            <a:ext uri="{909E8E84-426E-40DD-AFC4-6F175D3DCCD1}">
+              <a14:hiddenFill xmlns:a14="http://schemas.microsoft.com/office/drawing/2010/main">
+                <a:solidFill>
+                  <a:srgbClr val="FFFFFF"/>
+                </a:solidFill>
+              </a14:hiddenFill>
+            </a:ext>
+          </a:extLst>
+        </p:spPr>
+      </p:pic>
     </p:spTree>
     <p:extLst>
       <p:ext uri="{BB962C8B-B14F-4D97-AF65-F5344CB8AC3E}">
-        <p14:creationId xmlns:p14="http://schemas.microsoft.com/office/powerpoint/2010/main" val="2826688074"/>
+        <p14:creationId xmlns:p14="http://schemas.microsoft.com/office/powerpoint/2010/main" val="3246750892"/>
       </p:ext>
     </p:extLst>
   </p:cSld>
   <p:clrMapOvr>
     <a:masterClrMapping/>
   </p:clrMapOvr>
+  <p:timing>
+    <p:tnLst>
+      <p:par>
+        <p:cTn id="1" dur="indefinite" restart="never" nodeType="tmRoot"/>
+      </p:par>
+    </p:tnLst>
+  </p:timing>
 </p:sld>
 </file>
 
@@ -3812,10 +6068,92 @@
           </a:p>
         </p:txBody>
       </p:sp>
+      <p:pic>
+        <p:nvPicPr>
+          <p:cNvPr id="3074" name="Picture 2" descr="C:\Users\Dania\Downloads\Pasted image at 2016_04_21 12_42 PM.png"/>
+          <p:cNvPicPr>
+            <a:picLocks noChangeAspect="1" noChangeArrowheads="1"/>
+          </p:cNvPicPr>
+          <p:nvPr/>
+        </p:nvPicPr>
+        <p:blipFill>
+          <a:blip r:embed="rId3">
+            <a:extLst>
+              <a:ext uri="{28A0092B-C50C-407E-A947-70E740481C1C}">
+                <a14:useLocalDpi xmlns:a14="http://schemas.microsoft.com/office/drawing/2010/main" val="0"/>
+              </a:ext>
+            </a:extLst>
+          </a:blip>
+          <a:srcRect/>
+          <a:stretch>
+            <a:fillRect/>
+          </a:stretch>
+        </p:blipFill>
+        <p:spPr bwMode="auto">
+          <a:xfrm>
+            <a:off x="900408" y="2014464"/>
+            <a:ext cx="7378854" cy="1889272"/>
+          </a:xfrm>
+          <a:prstGeom prst="rect">
+            <a:avLst/>
+          </a:prstGeom>
+          <a:noFill/>
+          <a:extLst>
+            <a:ext uri="{909E8E84-426E-40DD-AFC4-6F175D3DCCD1}">
+              <a14:hiddenFill xmlns:a14="http://schemas.microsoft.com/office/drawing/2010/main">
+                <a:solidFill>
+                  <a:srgbClr val="FFFFFF"/>
+                </a:solidFill>
+              </a14:hiddenFill>
+            </a:ext>
+          </a:extLst>
+        </p:spPr>
+      </p:pic>
+      <p:pic>
+        <p:nvPicPr>
+          <p:cNvPr id="3075" name="Picture 3" descr="C:\Users\Dania\Downloads\Pasted image at 2016_04_21 12_43 PM.png"/>
+          <p:cNvPicPr>
+            <a:picLocks noChangeAspect="1" noChangeArrowheads="1"/>
+          </p:cNvPicPr>
+          <p:nvPr/>
+        </p:nvPicPr>
+        <p:blipFill>
+          <a:blip r:embed="rId4">
+            <a:extLst>
+              <a:ext uri="{28A0092B-C50C-407E-A947-70E740481C1C}">
+                <a14:useLocalDpi xmlns:a14="http://schemas.microsoft.com/office/drawing/2010/main" val="0"/>
+              </a:ext>
+            </a:extLst>
+          </a:blip>
+          <a:srcRect/>
+          <a:stretch>
+            <a:fillRect/>
+          </a:stretch>
+        </p:blipFill>
+        <p:spPr bwMode="auto">
+          <a:xfrm>
+            <a:off x="123310" y="4141986"/>
+            <a:ext cx="8933050" cy="1447254"/>
+          </a:xfrm>
+          <a:prstGeom prst="rect">
+            <a:avLst/>
+          </a:prstGeom>
+          <a:noFill/>
+          <a:extLst>
+            <a:ext uri="{909E8E84-426E-40DD-AFC4-6F175D3DCCD1}">
+              <a14:hiddenFill xmlns:a14="http://schemas.microsoft.com/office/drawing/2010/main">
+                <a:solidFill>
+                  <a:srgbClr val="FFFFFF"/>
+                </a:solidFill>
+              </a14:hiddenFill>
+            </a:ext>
+          </a:extLst>
+        </p:spPr>
+      </p:pic>
     </p:spTree>
     <p:extLst>
       <p:ext uri="{BB962C8B-B14F-4D97-AF65-F5344CB8AC3E}">
-        <p14:creationId xmlns:p14="http://schemas.microsoft.com/office/powerpoint/2010/main" val="9111756"/>
+        <p14:creationId xmlns:p14="http://schemas.microsoft.com/office/powerpoint/2010/main" val="1098497208"/>
       </p:ext>
     </p:extLst>
   </p:cSld>
@@ -4117,6 +6455,291 @@
 </a:theme>
 </file>
 
+<file path=ppt/theme/theme2.xml><?xml version="1.0" encoding="utf-8"?>
+<a:theme xmlns:a="http://schemas.openxmlformats.org/drawingml/2006/main" name="Office Theme">
+  <a:themeElements>
+    <a:clrScheme name="Office">
+      <a:dk1>
+        <a:sysClr val="windowText" lastClr="000000"/>
+      </a:dk1>
+      <a:lt1>
+        <a:sysClr val="window" lastClr="FFFFFF"/>
+      </a:lt1>
+      <a:dk2>
+        <a:srgbClr val="1F497D"/>
+      </a:dk2>
+      <a:lt2>
+        <a:srgbClr val="EEECE1"/>
+      </a:lt2>
+      <a:accent1>
+        <a:srgbClr val="4F81BD"/>
+      </a:accent1>
+      <a:accent2>
+        <a:srgbClr val="C0504D"/>
+      </a:accent2>
+      <a:accent3>
+        <a:srgbClr val="9BBB59"/>
+      </a:accent3>
+      <a:accent4>
+        <a:srgbClr val="8064A2"/>
+      </a:accent4>
+      <a:accent5>
+        <a:srgbClr val="4BACC6"/>
+      </a:accent5>
+      <a:accent6>
+        <a:srgbClr val="F79646"/>
+      </a:accent6>
+      <a:hlink>
+        <a:srgbClr val="0000FF"/>
+      </a:hlink>
+      <a:folHlink>
+        <a:srgbClr val="800080"/>
+      </a:folHlink>
+    </a:clrScheme>
+    <a:fontScheme name="Office">
+      <a:majorFont>
+        <a:latin typeface="Calibri"/>
+        <a:ea typeface=""/>
+        <a:cs typeface=""/>
+        <a:font script="Jpan" typeface="ＭＳ Ｐゴシック"/>
+        <a:font script="Hang" typeface="맑은 고딕"/>
+        <a:font script="Hans" typeface="宋体"/>
+        <a:font script="Hant" typeface="新細明體"/>
+        <a:font script="Arab" typeface="Times New Roman"/>
+        <a:font script="Hebr" typeface="Times New Roman"/>
+        <a:font script="Thai" typeface="Angsana New"/>
+        <a:font script="Ethi" typeface="Nyala"/>
+        <a:font script="Beng" typeface="Vrinda"/>
+        <a:font script="Gujr" typeface="Shruti"/>
+        <a:font script="Khmr" typeface="MoolBoran"/>
+        <a:font script="Knda" typeface="Tunga"/>
+        <a:font script="Guru" typeface="Raavi"/>
+        <a:font script="Cans" typeface="Euphemia"/>
+        <a:font script="Cher" typeface="Plantagenet Cherokee"/>
+        <a:font script="Yiii" typeface="Microsoft Yi Baiti"/>
+        <a:font script="Tibt" typeface="Microsoft Himalaya"/>
+        <a:font script="Thaa" typeface="MV Boli"/>
+        <a:font script="Deva" typeface="Mangal"/>
+        <a:font script="Telu" typeface="Gautami"/>
+        <a:font script="Taml" typeface="Latha"/>
+        <a:font script="Syrc" typeface="Estrangelo Edessa"/>
+        <a:font script="Orya" typeface="Kalinga"/>
+        <a:font script="Mlym" typeface="Kartika"/>
+        <a:font script="Laoo" typeface="DokChampa"/>
+        <a:font script="Sinh" typeface="Iskoola Pota"/>
+        <a:font script="Mong" typeface="Mongolian Baiti"/>
+        <a:font script="Viet" typeface="Times New Roman"/>
+        <a:font script="Uigh" typeface="Microsoft Uighur"/>
+        <a:font script="Geor" typeface="Sylfaen"/>
+      </a:majorFont>
+      <a:minorFont>
+        <a:latin typeface="Calibri"/>
+        <a:ea typeface=""/>
+        <a:cs typeface=""/>
+        <a:font script="Jpan" typeface="ＭＳ Ｐゴシック"/>
+        <a:font script="Hang" typeface="맑은 고딕"/>
+        <a:font script="Hans" typeface="宋体"/>
+        <a:font script="Hant" typeface="新細明體"/>
+        <a:font script="Arab" typeface="Arial"/>
+        <a:font script="Hebr" typeface="Arial"/>
+        <a:font script="Thai" typeface="Cordia New"/>
+        <a:font script="Ethi" typeface="Nyala"/>
+        <a:font script="Beng" typeface="Vrinda"/>
+        <a:font script="Gujr" typeface="Shruti"/>
+        <a:font script="Khmr" typeface="DaunPenh"/>
+        <a:font script="Knda" typeface="Tunga"/>
+        <a:font script="Guru" typeface="Raavi"/>
+        <a:font script="Cans" typeface="Euphemia"/>
+        <a:font script="Cher" typeface="Plantagenet Cherokee"/>
+        <a:font script="Yiii" typeface="Microsoft Yi Baiti"/>
+        <a:font script="Tibt" typeface="Microsoft Himalaya"/>
+        <a:font script="Thaa" typeface="MV Boli"/>
+        <a:font script="Deva" typeface="Mangal"/>
+        <a:font script="Telu" typeface="Gautami"/>
+        <a:font script="Taml" typeface="Latha"/>
+        <a:font script="Syrc" typeface="Estrangelo Edessa"/>
+        <a:font script="Orya" typeface="Kalinga"/>
+        <a:font script="Mlym" typeface="Kartika"/>
+        <a:font script="Laoo" typeface="DokChampa"/>
+        <a:font script="Sinh" typeface="Iskoola Pota"/>
+        <a:font script="Mong" typeface="Mongolian Baiti"/>
+        <a:font script="Viet" typeface="Arial"/>
+        <a:font script="Uigh" typeface="Microsoft Uighur"/>
+        <a:font script="Geor" typeface="Sylfaen"/>
+      </a:minorFont>
+    </a:fontScheme>
+    <a:fmtScheme name="Office">
+      <a:fillStyleLst>
+        <a:solidFill>
+          <a:schemeClr val="phClr"/>
+        </a:solidFill>
+        <a:gradFill rotWithShape="1">
+          <a:gsLst>
+            <a:gs pos="0">
+              <a:schemeClr val="phClr">
+                <a:tint val="50000"/>
+                <a:satMod val="300000"/>
+              </a:schemeClr>
+            </a:gs>
+            <a:gs pos="35000">
+              <a:schemeClr val="phClr">
+                <a:tint val="37000"/>
+                <a:satMod val="300000"/>
+              </a:schemeClr>
+            </a:gs>
+            <a:gs pos="100000">
+              <a:schemeClr val="phClr">
+                <a:tint val="15000"/>
+                <a:satMod val="350000"/>
+              </a:schemeClr>
+            </a:gs>
+          </a:gsLst>
+          <a:lin ang="16200000" scaled="1"/>
+        </a:gradFill>
+        <a:gradFill rotWithShape="1">
+          <a:gsLst>
+            <a:gs pos="0">
+              <a:schemeClr val="phClr">
+                <a:shade val="51000"/>
+                <a:satMod val="130000"/>
+              </a:schemeClr>
+            </a:gs>
+            <a:gs pos="80000">
+              <a:schemeClr val="phClr">
+                <a:shade val="93000"/>
+                <a:satMod val="130000"/>
+              </a:schemeClr>
+            </a:gs>
+            <a:gs pos="100000">
+              <a:schemeClr val="phClr">
+                <a:shade val="94000"/>
+                <a:satMod val="135000"/>
+              </a:schemeClr>
+            </a:gs>
+          </a:gsLst>
+          <a:lin ang="16200000" scaled="0"/>
+        </a:gradFill>
+      </a:fillStyleLst>
+      <a:lnStyleLst>
+        <a:ln w="9525" cap="flat" cmpd="sng" algn="ctr">
+          <a:solidFill>
+            <a:schemeClr val="phClr">
+              <a:shade val="95000"/>
+              <a:satMod val="105000"/>
+            </a:schemeClr>
+          </a:solidFill>
+          <a:prstDash val="solid"/>
+        </a:ln>
+        <a:ln w="25400" cap="flat" cmpd="sng" algn="ctr">
+          <a:solidFill>
+            <a:schemeClr val="phClr"/>
+          </a:solidFill>
+          <a:prstDash val="solid"/>
+        </a:ln>
+        <a:ln w="38100" cap="flat" cmpd="sng" algn="ctr">
+          <a:solidFill>
+            <a:schemeClr val="phClr"/>
+          </a:solidFill>
+          <a:prstDash val="solid"/>
+        </a:ln>
+      </a:lnStyleLst>
+      <a:effectStyleLst>
+        <a:effectStyle>
+          <a:effectLst>
+            <a:outerShdw blurRad="40000" dist="20000" dir="5400000" rotWithShape="0">
+              <a:srgbClr val="000000">
+                <a:alpha val="38000"/>
+              </a:srgbClr>
+            </a:outerShdw>
+          </a:effectLst>
+        </a:effectStyle>
+        <a:effectStyle>
+          <a:effectLst>
+            <a:outerShdw blurRad="40000" dist="23000" dir="5400000" rotWithShape="0">
+              <a:srgbClr val="000000">
+                <a:alpha val="35000"/>
+              </a:srgbClr>
+            </a:outerShdw>
+          </a:effectLst>
+        </a:effectStyle>
+        <a:effectStyle>
+          <a:effectLst>
+            <a:outerShdw blurRad="40000" dist="23000" dir="5400000" rotWithShape="0">
+              <a:srgbClr val="000000">
+                <a:alpha val="35000"/>
+              </a:srgbClr>
+            </a:outerShdw>
+          </a:effectLst>
+          <a:scene3d>
+            <a:camera prst="orthographicFront">
+              <a:rot lat="0" lon="0" rev="0"/>
+            </a:camera>
+            <a:lightRig rig="threePt" dir="t">
+              <a:rot lat="0" lon="0" rev="1200000"/>
+            </a:lightRig>
+          </a:scene3d>
+          <a:sp3d>
+            <a:bevelT w="63500" h="25400"/>
+          </a:sp3d>
+        </a:effectStyle>
+      </a:effectStyleLst>
+      <a:bgFillStyleLst>
+        <a:solidFill>
+          <a:schemeClr val="phClr"/>
+        </a:solidFill>
+        <a:gradFill rotWithShape="1">
+          <a:gsLst>
+            <a:gs pos="0">
+              <a:schemeClr val="phClr">
+                <a:tint val="40000"/>
+                <a:satMod val="350000"/>
+              </a:schemeClr>
+            </a:gs>
+            <a:gs pos="40000">
+              <a:schemeClr val="phClr">
+                <a:tint val="45000"/>
+                <a:shade val="99000"/>
+                <a:satMod val="350000"/>
+              </a:schemeClr>
+            </a:gs>
+            <a:gs pos="100000">
+              <a:schemeClr val="phClr">
+                <a:shade val="20000"/>
+                <a:satMod val="255000"/>
+              </a:schemeClr>
+            </a:gs>
+          </a:gsLst>
+          <a:path path="circle">
+            <a:fillToRect l="50000" t="-80000" r="50000" b="180000"/>
+          </a:path>
+        </a:gradFill>
+        <a:gradFill rotWithShape="1">
+          <a:gsLst>
+            <a:gs pos="0">
+              <a:schemeClr val="phClr">
+                <a:tint val="80000"/>
+                <a:satMod val="300000"/>
+              </a:schemeClr>
+            </a:gs>
+            <a:gs pos="100000">
+              <a:schemeClr val="phClr">
+                <a:shade val="30000"/>
+                <a:satMod val="200000"/>
+              </a:schemeClr>
+            </a:gs>
+          </a:gsLst>
+          <a:path path="circle">
+            <a:fillToRect l="50000" t="50000" r="50000" b="50000"/>
+          </a:path>
+        </a:gradFill>
+      </a:bgFillStyleLst>
+    </a:fmtScheme>
+  </a:themeElements>
+  <a:objectDefaults/>
+  <a:extraClrSchemeLst/>
+</a:theme>
+</file>
+
 <file path=customXml/item1.xml><?xml version="1.0" encoding="utf-8"?>
 <Control xmlns="http://schemas.microsoft.com/VisualStudio/2011/storyboarding/control">
   <Id Name="889452e8-b853-4c16-8d39-f0f7b318a337" Revision="1" Stencil="System.MyShapes" StencilVersion="1.0"/>
